--- a/documentation/project_overview.pptx
+++ b/documentation/project_overview.pptx
@@ -5,7 +5,7 @@
     <p:sldMasterId id="2147483695" r:id="rId1"/>
   </p:sldMasterIdLst>
   <p:notesMasterIdLst>
-    <p:notesMasterId r:id="rId21"/>
+    <p:notesMasterId r:id="rId20"/>
   </p:notesMasterIdLst>
   <p:sldIdLst>
     <p:sldId id="256" r:id="rId2"/>
@@ -21,12 +21,11 @@
     <p:sldId id="266" r:id="rId12"/>
     <p:sldId id="267" r:id="rId13"/>
     <p:sldId id="270" r:id="rId14"/>
-    <p:sldId id="271" r:id="rId15"/>
-    <p:sldId id="272" r:id="rId16"/>
+    <p:sldId id="268" r:id="rId15"/>
+    <p:sldId id="271" r:id="rId16"/>
     <p:sldId id="273" r:id="rId17"/>
-    <p:sldId id="274" r:id="rId18"/>
-    <p:sldId id="275" r:id="rId19"/>
-    <p:sldId id="268" r:id="rId20"/>
+    <p:sldId id="272" r:id="rId18"/>
+    <p:sldId id="274" r:id="rId19"/>
   </p:sldIdLst>
   <p:sldSz cx="12192000" cy="6858000"/>
   <p:notesSz cx="6858000" cy="9144000"/>
@@ -215,7 +214,7 @@
           <a:p>
             <a:fld id="{45454676-7FA4-4C78-88CE-C484941EE7D1}" type="datetimeFigureOut">
               <a:rPr lang="en-IN" smtClean="0"/>
-              <a:t>04-11-2024</a:t>
+              <a:t>10-11-2024</a:t>
             </a:fld>
             <a:endParaRPr lang="en-IN"/>
           </a:p>
@@ -558,6 +557,90 @@
     <p:extLst>
       <p:ext uri="{BB962C8B-B14F-4D97-AF65-F5344CB8AC3E}">
         <p14:creationId xmlns:p14="http://schemas.microsoft.com/office/powerpoint/2010/main" val="3613049080"/>
+      </p:ext>
+    </p:extLst>
+  </p:cSld>
+  <p:clrMapOvr>
+    <a:masterClrMapping/>
+  </p:clrMapOvr>
+</p:notes>
+</file>
+
+<file path=ppt/notesSlides/notesSlide2.xml><?xml version="1.0" encoding="utf-8"?>
+<p:notes xmlns:a="http://schemas.openxmlformats.org/drawingml/2006/main" xmlns:r="http://schemas.openxmlformats.org/officeDocument/2006/relationships" xmlns:p="http://schemas.openxmlformats.org/presentationml/2006/main">
+  <p:cSld>
+    <p:spTree>
+      <p:nvGrpSpPr>
+        <p:cNvPr id="1" name=""/>
+        <p:cNvGrpSpPr/>
+        <p:nvPr/>
+      </p:nvGrpSpPr>
+      <p:grpSpPr>
+        <a:xfrm>
+          <a:off x="0" y="0"/>
+          <a:ext cx="0" cy="0"/>
+          <a:chOff x="0" y="0"/>
+          <a:chExt cx="0" cy="0"/>
+        </a:xfrm>
+      </p:grpSpPr>
+      <p:sp>
+        <p:nvSpPr>
+          <p:cNvPr id="2" name="Slide Image Placeholder 1"/>
+          <p:cNvSpPr>
+            <a:spLocks noGrp="1" noRot="1" noChangeAspect="1"/>
+          </p:cNvSpPr>
+          <p:nvPr>
+            <p:ph type="sldImg"/>
+          </p:nvPr>
+        </p:nvSpPr>
+        <p:spPr/>
+      </p:sp>
+      <p:sp>
+        <p:nvSpPr>
+          <p:cNvPr id="3" name="Notes Placeholder 2"/>
+          <p:cNvSpPr>
+            <a:spLocks noGrp="1"/>
+          </p:cNvSpPr>
+          <p:nvPr>
+            <p:ph type="body" idx="1"/>
+          </p:nvPr>
+        </p:nvSpPr>
+        <p:spPr/>
+        <p:txBody>
+          <a:bodyPr/>
+          <a:lstStyle/>
+          <a:p>
+            <a:endParaRPr lang="en-IN" dirty="0"/>
+          </a:p>
+        </p:txBody>
+      </p:sp>
+      <p:sp>
+        <p:nvSpPr>
+          <p:cNvPr id="4" name="Slide Number Placeholder 3"/>
+          <p:cNvSpPr>
+            <a:spLocks noGrp="1"/>
+          </p:cNvSpPr>
+          <p:nvPr>
+            <p:ph type="sldNum" sz="quarter" idx="5"/>
+          </p:nvPr>
+        </p:nvSpPr>
+        <p:spPr/>
+        <p:txBody>
+          <a:bodyPr/>
+          <a:lstStyle/>
+          <a:p>
+            <a:fld id="{746CD461-6744-4234-85FB-C5808E8E712B}" type="slidenum">
+              <a:rPr lang="en-IN" smtClean="0"/>
+              <a:t>17</a:t>
+            </a:fld>
+            <a:endParaRPr lang="en-IN"/>
+          </a:p>
+        </p:txBody>
+      </p:sp>
+    </p:spTree>
+    <p:extLst>
+      <p:ext uri="{BB962C8B-B14F-4D97-AF65-F5344CB8AC3E}">
+        <p14:creationId xmlns:p14="http://schemas.microsoft.com/office/powerpoint/2010/main" val="1325043138"/>
       </p:ext>
     </p:extLst>
   </p:cSld>
@@ -4843,7 +4926,7 @@
           <a:p>
             <a:fld id="{4A3E9ADB-5541-4172-AD33-4E8B057F5360}" type="datetimeFigureOut">
               <a:rPr lang="en-IN" smtClean="0"/>
-              <a:t>04-11-2024</a:t>
+              <a:t>10-11-2024</a:t>
             </a:fld>
             <a:endParaRPr lang="en-IN"/>
           </a:p>
@@ -5110,7 +5193,7 @@
           <a:p>
             <a:fld id="{4A3E9ADB-5541-4172-AD33-4E8B057F5360}" type="datetimeFigureOut">
               <a:rPr lang="en-IN" smtClean="0"/>
-              <a:t>04-11-2024</a:t>
+              <a:t>10-11-2024</a:t>
             </a:fld>
             <a:endParaRPr lang="en-IN"/>
           </a:p>
@@ -5306,7 +5389,7 @@
           <a:p>
             <a:fld id="{4A3E9ADB-5541-4172-AD33-4E8B057F5360}" type="datetimeFigureOut">
               <a:rPr lang="en-IN" smtClean="0"/>
-              <a:t>04-11-2024</a:t>
+              <a:t>10-11-2024</a:t>
             </a:fld>
             <a:endParaRPr lang="en-IN"/>
           </a:p>
@@ -5569,7 +5652,7 @@
           <a:p>
             <a:fld id="{4A3E9ADB-5541-4172-AD33-4E8B057F5360}" type="datetimeFigureOut">
               <a:rPr lang="en-IN" smtClean="0"/>
-              <a:t>04-11-2024</a:t>
+              <a:t>10-11-2024</a:t>
             </a:fld>
             <a:endParaRPr lang="en-IN"/>
           </a:p>
@@ -6003,7 +6086,7 @@
           <a:p>
             <a:fld id="{4A3E9ADB-5541-4172-AD33-4E8B057F5360}" type="datetimeFigureOut">
               <a:rPr lang="en-IN" smtClean="0"/>
-              <a:t>04-11-2024</a:t>
+              <a:t>10-11-2024</a:t>
             </a:fld>
             <a:endParaRPr lang="en-IN"/>
           </a:p>
@@ -6549,7 +6632,7 @@
           <a:p>
             <a:fld id="{4A3E9ADB-5541-4172-AD33-4E8B057F5360}" type="datetimeFigureOut">
               <a:rPr lang="en-IN" smtClean="0"/>
-              <a:t>04-11-2024</a:t>
+              <a:t>10-11-2024</a:t>
             </a:fld>
             <a:endParaRPr lang="en-IN"/>
           </a:p>
@@ -7269,7 +7352,7 @@
           <a:p>
             <a:fld id="{4A3E9ADB-5541-4172-AD33-4E8B057F5360}" type="datetimeFigureOut">
               <a:rPr lang="en-IN" smtClean="0"/>
-              <a:t>04-11-2024</a:t>
+              <a:t>10-11-2024</a:t>
             </a:fld>
             <a:endParaRPr lang="en-IN"/>
           </a:p>
@@ -7439,7 +7522,7 @@
           <a:p>
             <a:fld id="{4A3E9ADB-5541-4172-AD33-4E8B057F5360}" type="datetimeFigureOut">
               <a:rPr lang="en-IN" smtClean="0"/>
-              <a:t>04-11-2024</a:t>
+              <a:t>10-11-2024</a:t>
             </a:fld>
             <a:endParaRPr lang="en-IN"/>
           </a:p>
@@ -7619,7 +7702,7 @@
           <a:p>
             <a:fld id="{4A3E9ADB-5541-4172-AD33-4E8B057F5360}" type="datetimeFigureOut">
               <a:rPr lang="en-IN" smtClean="0"/>
-              <a:t>04-11-2024</a:t>
+              <a:t>10-11-2024</a:t>
             </a:fld>
             <a:endParaRPr lang="en-IN"/>
           </a:p>
@@ -7789,7 +7872,7 @@
           <a:p>
             <a:fld id="{4A3E9ADB-5541-4172-AD33-4E8B057F5360}" type="datetimeFigureOut">
               <a:rPr lang="en-IN" smtClean="0"/>
-              <a:t>04-11-2024</a:t>
+              <a:t>10-11-2024</a:t>
             </a:fld>
             <a:endParaRPr lang="en-IN"/>
           </a:p>
@@ -8039,7 +8122,7 @@
           <a:p>
             <a:fld id="{4A3E9ADB-5541-4172-AD33-4E8B057F5360}" type="datetimeFigureOut">
               <a:rPr lang="en-IN" smtClean="0"/>
-              <a:t>04-11-2024</a:t>
+              <a:t>10-11-2024</a:t>
             </a:fld>
             <a:endParaRPr lang="en-IN"/>
           </a:p>
@@ -8271,7 +8354,7 @@
           <a:p>
             <a:fld id="{4A3E9ADB-5541-4172-AD33-4E8B057F5360}" type="datetimeFigureOut">
               <a:rPr lang="en-IN" smtClean="0"/>
-              <a:t>04-11-2024</a:t>
+              <a:t>10-11-2024</a:t>
             </a:fld>
             <a:endParaRPr lang="en-IN"/>
           </a:p>
@@ -8652,7 +8735,7 @@
           <a:p>
             <a:fld id="{4A3E9ADB-5541-4172-AD33-4E8B057F5360}" type="datetimeFigureOut">
               <a:rPr lang="en-IN" smtClean="0"/>
-              <a:t>04-11-2024</a:t>
+              <a:t>10-11-2024</a:t>
             </a:fld>
             <a:endParaRPr lang="en-IN"/>
           </a:p>
@@ -8770,7 +8853,7 @@
           <a:p>
             <a:fld id="{4A3E9ADB-5541-4172-AD33-4E8B057F5360}" type="datetimeFigureOut">
               <a:rPr lang="en-IN" smtClean="0"/>
-              <a:t>04-11-2024</a:t>
+              <a:t>10-11-2024</a:t>
             </a:fld>
             <a:endParaRPr lang="en-IN"/>
           </a:p>
@@ -8865,7 +8948,7 @@
           <a:p>
             <a:fld id="{4A3E9ADB-5541-4172-AD33-4E8B057F5360}" type="datetimeFigureOut">
               <a:rPr lang="en-IN" smtClean="0"/>
-              <a:t>04-11-2024</a:t>
+              <a:t>10-11-2024</a:t>
             </a:fld>
             <a:endParaRPr lang="en-IN"/>
           </a:p>
@@ -9114,7 +9197,7 @@
           <a:p>
             <a:fld id="{4A3E9ADB-5541-4172-AD33-4E8B057F5360}" type="datetimeFigureOut">
               <a:rPr lang="en-IN" smtClean="0"/>
-              <a:t>04-11-2024</a:t>
+              <a:t>10-11-2024</a:t>
             </a:fld>
             <a:endParaRPr lang="en-IN"/>
           </a:p>
@@ -9394,7 +9477,7 @@
           <a:p>
             <a:fld id="{4A3E9ADB-5541-4172-AD33-4E8B057F5360}" type="datetimeFigureOut">
               <a:rPr lang="en-IN" smtClean="0"/>
-              <a:t>04-11-2024</a:t>
+              <a:t>10-11-2024</a:t>
             </a:fld>
             <a:endParaRPr lang="en-IN"/>
           </a:p>
@@ -12471,7 +12554,7 @@
           <a:p>
             <a:fld id="{4A3E9ADB-5541-4172-AD33-4E8B057F5360}" type="datetimeFigureOut">
               <a:rPr lang="en-IN" smtClean="0"/>
-              <a:t>04-11-2024</a:t>
+              <a:t>10-11-2024</a:t>
             </a:fld>
             <a:endParaRPr lang="en-IN"/>
           </a:p>
@@ -13010,8 +13093,8 @@
         </p:nvSpPr>
         <p:spPr>
           <a:xfrm>
-            <a:off x="9330508" y="5961780"/>
-            <a:ext cx="2182761" cy="707886"/>
+            <a:off x="9261682" y="5964301"/>
+            <a:ext cx="2251892" cy="707886"/>
           </a:xfrm>
           <a:prstGeom prst="rect">
             <a:avLst/>
@@ -13026,18 +13109,9 @@
           <a:p>
             <a:r>
               <a:rPr lang="en-IN" sz="2000" dirty="0"/>
-              <a:t>By - Aadhya Joshi</a:t>
-            </a:r>
-          </a:p>
-          <a:p>
-            <a:r>
-              <a:rPr lang="en-IN" sz="2000" dirty="0"/>
-              <a:t>       </a:t>
-            </a:r>
-            <a:r>
-              <a:rPr lang="en-IN" dirty="0"/>
-              <a:t>2022UCP1326</a:t>
-            </a:r>
+              <a:t>By - Aadhya Joshi 	2022UCP1326</a:t>
+            </a:r>
+            <a:endParaRPr lang="en-IN" dirty="0"/>
           </a:p>
         </p:txBody>
       </p:sp>
@@ -13549,12 +13623,48 @@
           <a:p>
             <a:r>
               <a:rPr lang="en-US" dirty="0"/>
-              <a:t>ENROLLMENT PROCESS</a:t>
+              <a:t>CLASS CREATION &amp; ENROLLMENT PROCESS</a:t>
             </a:r>
             <a:endParaRPr lang="en-IN" dirty="0"/>
           </a:p>
         </p:txBody>
       </p:sp>
+      <p:pic>
+        <p:nvPicPr>
+          <p:cNvPr id="5" name="Picture 4">
+            <a:extLst>
+              <a:ext uri="{FF2B5EF4-FFF2-40B4-BE49-F238E27FC236}">
+                <a16:creationId xmlns:a16="http://schemas.microsoft.com/office/drawing/2014/main" id="{5056EDF0-A2DE-8BF5-408A-B970AF0B04FF}"/>
+              </a:ext>
+            </a:extLst>
+          </p:cNvPr>
+          <p:cNvPicPr>
+            <a:picLocks noChangeAspect="1"/>
+          </p:cNvPicPr>
+          <p:nvPr/>
+        </p:nvPicPr>
+        <p:blipFill>
+          <a:blip r:embed="rId2">
+            <a:extLst>
+              <a:ext uri="{28A0092B-C50C-407E-A947-70E740481C1C}">
+                <a14:useLocalDpi xmlns:a14="http://schemas.microsoft.com/office/drawing/2010/main" val="0"/>
+              </a:ext>
+            </a:extLst>
+          </a:blip>
+          <a:stretch>
+            <a:fillRect/>
+          </a:stretch>
+        </p:blipFill>
+        <p:spPr>
+          <a:xfrm>
+            <a:off x="1841037" y="1152161"/>
+            <a:ext cx="8079712" cy="5505194"/>
+          </a:xfrm>
+          <a:prstGeom prst="rect">
+            <a:avLst/>
+          </a:prstGeom>
+        </p:spPr>
+      </p:pic>
     </p:spTree>
     <p:extLst>
       <p:ext uri="{BB962C8B-B14F-4D97-AF65-F5344CB8AC3E}">
@@ -13569,531 +13679,6 @@
 </file>
 
 <file path=ppt/slides/slide14.xml><?xml version="1.0" encoding="utf-8"?>
-<p:sld xmlns:a="http://schemas.openxmlformats.org/drawingml/2006/main" xmlns:r="http://schemas.openxmlformats.org/officeDocument/2006/relationships" xmlns:p="http://schemas.openxmlformats.org/presentationml/2006/main">
-  <p:cSld>
-    <p:spTree>
-      <p:nvGrpSpPr>
-        <p:cNvPr id="1" name="">
-          <a:extLst>
-            <a:ext uri="{FF2B5EF4-FFF2-40B4-BE49-F238E27FC236}">
-              <a16:creationId xmlns:a16="http://schemas.microsoft.com/office/drawing/2014/main" id="{50065E5B-1318-19BB-AD6C-652D6CA45D92}"/>
-            </a:ext>
-          </a:extLst>
-        </p:cNvPr>
-        <p:cNvGrpSpPr/>
-        <p:nvPr/>
-      </p:nvGrpSpPr>
-      <p:grpSpPr>
-        <a:xfrm>
-          <a:off x="0" y="0"/>
-          <a:ext cx="0" cy="0"/>
-          <a:chOff x="0" y="0"/>
-          <a:chExt cx="0" cy="0"/>
-        </a:xfrm>
-      </p:grpSpPr>
-      <p:sp>
-        <p:nvSpPr>
-          <p:cNvPr id="2" name="Title 1">
-            <a:extLst>
-              <a:ext uri="{FF2B5EF4-FFF2-40B4-BE49-F238E27FC236}">
-                <a16:creationId xmlns:a16="http://schemas.microsoft.com/office/drawing/2014/main" id="{5EA90B9F-1B2D-EE30-EFA8-2226352DF68C}"/>
-              </a:ext>
-            </a:extLst>
-          </p:cNvPr>
-          <p:cNvSpPr>
-            <a:spLocks noGrp="1"/>
-          </p:cNvSpPr>
-          <p:nvPr>
-            <p:ph type="title"/>
-          </p:nvPr>
-        </p:nvSpPr>
-        <p:spPr>
-          <a:xfrm>
-            <a:off x="1141412" y="190814"/>
-            <a:ext cx="9905998" cy="610514"/>
-          </a:xfrm>
-        </p:spPr>
-        <p:txBody>
-          <a:bodyPr>
-            <a:normAutofit/>
-          </a:bodyPr>
-          <a:lstStyle/>
-          <a:p>
-            <a:r>
-              <a:rPr lang="en-IN" dirty="0"/>
-              <a:t>DESIGN AND ANALYSIS: Sequence Diagram</a:t>
-            </a:r>
-          </a:p>
-        </p:txBody>
-      </p:sp>
-      <p:sp>
-        <p:nvSpPr>
-          <p:cNvPr id="3" name="Content Placeholder 2">
-            <a:extLst>
-              <a:ext uri="{FF2B5EF4-FFF2-40B4-BE49-F238E27FC236}">
-                <a16:creationId xmlns:a16="http://schemas.microsoft.com/office/drawing/2014/main" id="{32A9477E-5BF7-5278-9794-4E7411CAEA61}"/>
-              </a:ext>
-            </a:extLst>
-          </p:cNvPr>
-          <p:cNvSpPr>
-            <a:spLocks noGrp="1"/>
-          </p:cNvSpPr>
-          <p:nvPr>
-            <p:ph idx="1"/>
-          </p:nvPr>
-        </p:nvSpPr>
-        <p:spPr>
-          <a:xfrm>
-            <a:off x="1141411" y="801328"/>
-            <a:ext cx="9905999" cy="4724402"/>
-          </a:xfrm>
-        </p:spPr>
-        <p:txBody>
-          <a:bodyPr/>
-          <a:lstStyle/>
-          <a:p>
-            <a:r>
-              <a:rPr lang="en-US" dirty="0"/>
-              <a:t>ASSIGNMENT UPLOAD PROCESS</a:t>
-            </a:r>
-            <a:endParaRPr lang="en-IN" dirty="0"/>
-          </a:p>
-        </p:txBody>
-      </p:sp>
-    </p:spTree>
-    <p:extLst>
-      <p:ext uri="{BB962C8B-B14F-4D97-AF65-F5344CB8AC3E}">
-        <p14:creationId xmlns:p14="http://schemas.microsoft.com/office/powerpoint/2010/main" val="4249523381"/>
-      </p:ext>
-    </p:extLst>
-  </p:cSld>
-  <p:clrMapOvr>
-    <a:masterClrMapping/>
-  </p:clrMapOvr>
-</p:sld>
-</file>
-
-<file path=ppt/slides/slide15.xml><?xml version="1.0" encoding="utf-8"?>
-<p:sld xmlns:a="http://schemas.openxmlformats.org/drawingml/2006/main" xmlns:r="http://schemas.openxmlformats.org/officeDocument/2006/relationships" xmlns:p="http://schemas.openxmlformats.org/presentationml/2006/main">
-  <p:cSld>
-    <p:spTree>
-      <p:nvGrpSpPr>
-        <p:cNvPr id="1" name="">
-          <a:extLst>
-            <a:ext uri="{FF2B5EF4-FFF2-40B4-BE49-F238E27FC236}">
-              <a16:creationId xmlns:a16="http://schemas.microsoft.com/office/drawing/2014/main" id="{CEEB921A-B263-7F3C-3F17-769A2B2664B2}"/>
-            </a:ext>
-          </a:extLst>
-        </p:cNvPr>
-        <p:cNvGrpSpPr/>
-        <p:nvPr/>
-      </p:nvGrpSpPr>
-      <p:grpSpPr>
-        <a:xfrm>
-          <a:off x="0" y="0"/>
-          <a:ext cx="0" cy="0"/>
-          <a:chOff x="0" y="0"/>
-          <a:chExt cx="0" cy="0"/>
-        </a:xfrm>
-      </p:grpSpPr>
-      <p:sp>
-        <p:nvSpPr>
-          <p:cNvPr id="2" name="Title 1">
-            <a:extLst>
-              <a:ext uri="{FF2B5EF4-FFF2-40B4-BE49-F238E27FC236}">
-                <a16:creationId xmlns:a16="http://schemas.microsoft.com/office/drawing/2014/main" id="{8E34B2C7-94E4-AD7C-13A0-EF8F2E1D2571}"/>
-              </a:ext>
-            </a:extLst>
-          </p:cNvPr>
-          <p:cNvSpPr>
-            <a:spLocks noGrp="1"/>
-          </p:cNvSpPr>
-          <p:nvPr>
-            <p:ph type="title"/>
-          </p:nvPr>
-        </p:nvSpPr>
-        <p:spPr>
-          <a:xfrm>
-            <a:off x="1141412" y="190814"/>
-            <a:ext cx="9905998" cy="610514"/>
-          </a:xfrm>
-        </p:spPr>
-        <p:txBody>
-          <a:bodyPr>
-            <a:normAutofit/>
-          </a:bodyPr>
-          <a:lstStyle/>
-          <a:p>
-            <a:r>
-              <a:rPr lang="en-IN" dirty="0"/>
-              <a:t>DESIGN AND ANALYSIS: Sequence Diagram</a:t>
-            </a:r>
-          </a:p>
-        </p:txBody>
-      </p:sp>
-      <p:sp>
-        <p:nvSpPr>
-          <p:cNvPr id="3" name="Content Placeholder 2">
-            <a:extLst>
-              <a:ext uri="{FF2B5EF4-FFF2-40B4-BE49-F238E27FC236}">
-                <a16:creationId xmlns:a16="http://schemas.microsoft.com/office/drawing/2014/main" id="{122D8258-2083-6E2A-F636-7E3CCDC092C9}"/>
-              </a:ext>
-            </a:extLst>
-          </p:cNvPr>
-          <p:cNvSpPr>
-            <a:spLocks noGrp="1"/>
-          </p:cNvSpPr>
-          <p:nvPr>
-            <p:ph idx="1"/>
-          </p:nvPr>
-        </p:nvSpPr>
-        <p:spPr>
-          <a:xfrm>
-            <a:off x="1141411" y="801328"/>
-            <a:ext cx="9905999" cy="4724402"/>
-          </a:xfrm>
-        </p:spPr>
-        <p:txBody>
-          <a:bodyPr/>
-          <a:lstStyle/>
-          <a:p>
-            <a:r>
-              <a:rPr lang="en-US" dirty="0"/>
-              <a:t>ASSIGNMENT SUBMISSION PROCESS</a:t>
-            </a:r>
-            <a:endParaRPr lang="en-IN" dirty="0"/>
-          </a:p>
-        </p:txBody>
-      </p:sp>
-    </p:spTree>
-    <p:extLst>
-      <p:ext uri="{BB962C8B-B14F-4D97-AF65-F5344CB8AC3E}">
-        <p14:creationId xmlns:p14="http://schemas.microsoft.com/office/powerpoint/2010/main" val="2338697757"/>
-      </p:ext>
-    </p:extLst>
-  </p:cSld>
-  <p:clrMapOvr>
-    <a:masterClrMapping/>
-  </p:clrMapOvr>
-</p:sld>
-</file>
-
-<file path=ppt/slides/slide16.xml><?xml version="1.0" encoding="utf-8"?>
-<p:sld xmlns:a="http://schemas.openxmlformats.org/drawingml/2006/main" xmlns:r="http://schemas.openxmlformats.org/officeDocument/2006/relationships" xmlns:p="http://schemas.openxmlformats.org/presentationml/2006/main">
-  <p:cSld>
-    <p:spTree>
-      <p:nvGrpSpPr>
-        <p:cNvPr id="1" name="">
-          <a:extLst>
-            <a:ext uri="{FF2B5EF4-FFF2-40B4-BE49-F238E27FC236}">
-              <a16:creationId xmlns:a16="http://schemas.microsoft.com/office/drawing/2014/main" id="{85AD5B63-FCEA-3B88-571B-DDF000C558CB}"/>
-            </a:ext>
-          </a:extLst>
-        </p:cNvPr>
-        <p:cNvGrpSpPr/>
-        <p:nvPr/>
-      </p:nvGrpSpPr>
-      <p:grpSpPr>
-        <a:xfrm>
-          <a:off x="0" y="0"/>
-          <a:ext cx="0" cy="0"/>
-          <a:chOff x="0" y="0"/>
-          <a:chExt cx="0" cy="0"/>
-        </a:xfrm>
-      </p:grpSpPr>
-      <p:sp>
-        <p:nvSpPr>
-          <p:cNvPr id="2" name="Title 1">
-            <a:extLst>
-              <a:ext uri="{FF2B5EF4-FFF2-40B4-BE49-F238E27FC236}">
-                <a16:creationId xmlns:a16="http://schemas.microsoft.com/office/drawing/2014/main" id="{83560489-C381-E5CF-9228-066EDBFED711}"/>
-              </a:ext>
-            </a:extLst>
-          </p:cNvPr>
-          <p:cNvSpPr>
-            <a:spLocks noGrp="1"/>
-          </p:cNvSpPr>
-          <p:nvPr>
-            <p:ph type="title"/>
-          </p:nvPr>
-        </p:nvSpPr>
-        <p:spPr>
-          <a:xfrm>
-            <a:off x="1141412" y="190814"/>
-            <a:ext cx="9905998" cy="610514"/>
-          </a:xfrm>
-        </p:spPr>
-        <p:txBody>
-          <a:bodyPr>
-            <a:normAutofit/>
-          </a:bodyPr>
-          <a:lstStyle/>
-          <a:p>
-            <a:r>
-              <a:rPr lang="en-IN" dirty="0"/>
-              <a:t>DESIGN AND ANALYSIS: Sequence Diagram</a:t>
-            </a:r>
-          </a:p>
-        </p:txBody>
-      </p:sp>
-      <p:sp>
-        <p:nvSpPr>
-          <p:cNvPr id="3" name="Content Placeholder 2">
-            <a:extLst>
-              <a:ext uri="{FF2B5EF4-FFF2-40B4-BE49-F238E27FC236}">
-                <a16:creationId xmlns:a16="http://schemas.microsoft.com/office/drawing/2014/main" id="{9F0E2721-B039-467C-DC1A-3EA3AABC11EC}"/>
-              </a:ext>
-            </a:extLst>
-          </p:cNvPr>
-          <p:cNvSpPr>
-            <a:spLocks noGrp="1"/>
-          </p:cNvSpPr>
-          <p:nvPr>
-            <p:ph idx="1"/>
-          </p:nvPr>
-        </p:nvSpPr>
-        <p:spPr>
-          <a:xfrm>
-            <a:off x="1141411" y="801328"/>
-            <a:ext cx="9905999" cy="4724402"/>
-          </a:xfrm>
-        </p:spPr>
-        <p:txBody>
-          <a:bodyPr/>
-          <a:lstStyle/>
-          <a:p>
-            <a:r>
-              <a:rPr lang="en-US" dirty="0"/>
-              <a:t>ASSIGNMENT GRADING PROCESS</a:t>
-            </a:r>
-            <a:endParaRPr lang="en-IN" dirty="0"/>
-          </a:p>
-        </p:txBody>
-      </p:sp>
-    </p:spTree>
-    <p:extLst>
-      <p:ext uri="{BB962C8B-B14F-4D97-AF65-F5344CB8AC3E}">
-        <p14:creationId xmlns:p14="http://schemas.microsoft.com/office/powerpoint/2010/main" val="681807830"/>
-      </p:ext>
-    </p:extLst>
-  </p:cSld>
-  <p:clrMapOvr>
-    <a:masterClrMapping/>
-  </p:clrMapOvr>
-</p:sld>
-</file>
-
-<file path=ppt/slides/slide17.xml><?xml version="1.0" encoding="utf-8"?>
-<p:sld xmlns:a="http://schemas.openxmlformats.org/drawingml/2006/main" xmlns:r="http://schemas.openxmlformats.org/officeDocument/2006/relationships" xmlns:p="http://schemas.openxmlformats.org/presentationml/2006/main">
-  <p:cSld>
-    <p:spTree>
-      <p:nvGrpSpPr>
-        <p:cNvPr id="1" name="">
-          <a:extLst>
-            <a:ext uri="{FF2B5EF4-FFF2-40B4-BE49-F238E27FC236}">
-              <a16:creationId xmlns:a16="http://schemas.microsoft.com/office/drawing/2014/main" id="{22449DED-94FD-CC9B-2C08-236D8DF4ABAE}"/>
-            </a:ext>
-          </a:extLst>
-        </p:cNvPr>
-        <p:cNvGrpSpPr/>
-        <p:nvPr/>
-      </p:nvGrpSpPr>
-      <p:grpSpPr>
-        <a:xfrm>
-          <a:off x="0" y="0"/>
-          <a:ext cx="0" cy="0"/>
-          <a:chOff x="0" y="0"/>
-          <a:chExt cx="0" cy="0"/>
-        </a:xfrm>
-      </p:grpSpPr>
-      <p:sp>
-        <p:nvSpPr>
-          <p:cNvPr id="2" name="Title 1">
-            <a:extLst>
-              <a:ext uri="{FF2B5EF4-FFF2-40B4-BE49-F238E27FC236}">
-                <a16:creationId xmlns:a16="http://schemas.microsoft.com/office/drawing/2014/main" id="{AC876865-7EC6-2370-29D2-5A2CE24A308B}"/>
-              </a:ext>
-            </a:extLst>
-          </p:cNvPr>
-          <p:cNvSpPr>
-            <a:spLocks noGrp="1"/>
-          </p:cNvSpPr>
-          <p:nvPr>
-            <p:ph type="title"/>
-          </p:nvPr>
-        </p:nvSpPr>
-        <p:spPr>
-          <a:xfrm>
-            <a:off x="1141412" y="190814"/>
-            <a:ext cx="9905998" cy="610514"/>
-          </a:xfrm>
-        </p:spPr>
-        <p:txBody>
-          <a:bodyPr>
-            <a:normAutofit/>
-          </a:bodyPr>
-          <a:lstStyle/>
-          <a:p>
-            <a:r>
-              <a:rPr lang="en-IN" dirty="0"/>
-              <a:t>DESIGN AND ANALYSIS: Sequence Diagram</a:t>
-            </a:r>
-          </a:p>
-        </p:txBody>
-      </p:sp>
-      <p:sp>
-        <p:nvSpPr>
-          <p:cNvPr id="3" name="Content Placeholder 2">
-            <a:extLst>
-              <a:ext uri="{FF2B5EF4-FFF2-40B4-BE49-F238E27FC236}">
-                <a16:creationId xmlns:a16="http://schemas.microsoft.com/office/drawing/2014/main" id="{F14C5130-F736-8E04-A003-A9D41266FF91}"/>
-              </a:ext>
-            </a:extLst>
-          </p:cNvPr>
-          <p:cNvSpPr>
-            <a:spLocks noGrp="1"/>
-          </p:cNvSpPr>
-          <p:nvPr>
-            <p:ph idx="1"/>
-          </p:nvPr>
-        </p:nvSpPr>
-        <p:spPr>
-          <a:xfrm>
-            <a:off x="1141411" y="801328"/>
-            <a:ext cx="9905999" cy="4724402"/>
-          </a:xfrm>
-        </p:spPr>
-        <p:txBody>
-          <a:bodyPr/>
-          <a:lstStyle/>
-          <a:p>
-            <a:r>
-              <a:rPr lang="en-US" dirty="0"/>
-              <a:t>VIEW CLASS MATERIAL PROCESS</a:t>
-            </a:r>
-            <a:endParaRPr lang="en-IN" dirty="0"/>
-          </a:p>
-        </p:txBody>
-      </p:sp>
-    </p:spTree>
-    <p:extLst>
-      <p:ext uri="{BB962C8B-B14F-4D97-AF65-F5344CB8AC3E}">
-        <p14:creationId xmlns:p14="http://schemas.microsoft.com/office/powerpoint/2010/main" val="555138961"/>
-      </p:ext>
-    </p:extLst>
-  </p:cSld>
-  <p:clrMapOvr>
-    <a:masterClrMapping/>
-  </p:clrMapOvr>
-</p:sld>
-</file>
-
-<file path=ppt/slides/slide18.xml><?xml version="1.0" encoding="utf-8"?>
-<p:sld xmlns:a="http://schemas.openxmlformats.org/drawingml/2006/main" xmlns:r="http://schemas.openxmlformats.org/officeDocument/2006/relationships" xmlns:p="http://schemas.openxmlformats.org/presentationml/2006/main">
-  <p:cSld>
-    <p:spTree>
-      <p:nvGrpSpPr>
-        <p:cNvPr id="1" name="">
-          <a:extLst>
-            <a:ext uri="{FF2B5EF4-FFF2-40B4-BE49-F238E27FC236}">
-              <a16:creationId xmlns:a16="http://schemas.microsoft.com/office/drawing/2014/main" id="{07963E74-FFC4-BA69-A6F6-333540DBBC37}"/>
-            </a:ext>
-          </a:extLst>
-        </p:cNvPr>
-        <p:cNvGrpSpPr/>
-        <p:nvPr/>
-      </p:nvGrpSpPr>
-      <p:grpSpPr>
-        <a:xfrm>
-          <a:off x="0" y="0"/>
-          <a:ext cx="0" cy="0"/>
-          <a:chOff x="0" y="0"/>
-          <a:chExt cx="0" cy="0"/>
-        </a:xfrm>
-      </p:grpSpPr>
-      <p:sp>
-        <p:nvSpPr>
-          <p:cNvPr id="2" name="Title 1">
-            <a:extLst>
-              <a:ext uri="{FF2B5EF4-FFF2-40B4-BE49-F238E27FC236}">
-                <a16:creationId xmlns:a16="http://schemas.microsoft.com/office/drawing/2014/main" id="{D6B0EC73-CBA2-20AD-7E94-4680E3D7E1EA}"/>
-              </a:ext>
-            </a:extLst>
-          </p:cNvPr>
-          <p:cNvSpPr>
-            <a:spLocks noGrp="1"/>
-          </p:cNvSpPr>
-          <p:nvPr>
-            <p:ph type="title"/>
-          </p:nvPr>
-        </p:nvSpPr>
-        <p:spPr>
-          <a:xfrm>
-            <a:off x="1141412" y="190814"/>
-            <a:ext cx="9905998" cy="610514"/>
-          </a:xfrm>
-        </p:spPr>
-        <p:txBody>
-          <a:bodyPr>
-            <a:normAutofit/>
-          </a:bodyPr>
-          <a:lstStyle/>
-          <a:p>
-            <a:r>
-              <a:rPr lang="en-IN" dirty="0"/>
-              <a:t>DESIGN AND ANALYSIS: Sequence Diagram</a:t>
-            </a:r>
-          </a:p>
-        </p:txBody>
-      </p:sp>
-      <p:sp>
-        <p:nvSpPr>
-          <p:cNvPr id="3" name="Content Placeholder 2">
-            <a:extLst>
-              <a:ext uri="{FF2B5EF4-FFF2-40B4-BE49-F238E27FC236}">
-                <a16:creationId xmlns:a16="http://schemas.microsoft.com/office/drawing/2014/main" id="{1BFE29AD-E244-44A9-F475-74E476221E4E}"/>
-              </a:ext>
-            </a:extLst>
-          </p:cNvPr>
-          <p:cNvSpPr>
-            <a:spLocks noGrp="1"/>
-          </p:cNvSpPr>
-          <p:nvPr>
-            <p:ph idx="1"/>
-          </p:nvPr>
-        </p:nvSpPr>
-        <p:spPr>
-          <a:xfrm>
-            <a:off x="1141411" y="801328"/>
-            <a:ext cx="9905999" cy="4724402"/>
-          </a:xfrm>
-        </p:spPr>
-        <p:txBody>
-          <a:bodyPr/>
-          <a:lstStyle/>
-          <a:p>
-            <a:r>
-              <a:rPr lang="en-US" dirty="0"/>
-              <a:t>NOTIFICATION PROCESS</a:t>
-            </a:r>
-            <a:endParaRPr lang="en-IN" dirty="0"/>
-          </a:p>
-        </p:txBody>
-      </p:sp>
-    </p:spTree>
-    <p:extLst>
-      <p:ext uri="{BB962C8B-B14F-4D97-AF65-F5344CB8AC3E}">
-        <p14:creationId xmlns:p14="http://schemas.microsoft.com/office/powerpoint/2010/main" val="828597581"/>
-      </p:ext>
-    </p:extLst>
-  </p:cSld>
-  <p:clrMapOvr>
-    <a:masterClrMapping/>
-  </p:clrMapOvr>
-</p:sld>
-</file>
-
-<file path=ppt/slides/slide19.xml><?xml version="1.0" encoding="utf-8"?>
 <p:sld xmlns:a="http://schemas.openxmlformats.org/drawingml/2006/main" xmlns:r="http://schemas.openxmlformats.org/officeDocument/2006/relationships" xmlns:p="http://schemas.openxmlformats.org/presentationml/2006/main">
   <p:cSld>
     <p:spTree>
@@ -14161,20 +13746,345 @@
         </p:nvSpPr>
         <p:spPr>
           <a:xfrm>
-            <a:off x="1141412" y="709234"/>
-            <a:ext cx="9905999" cy="4513007"/>
+            <a:off x="1502746" y="766590"/>
+            <a:ext cx="5035706" cy="5742366"/>
           </a:xfrm>
         </p:spPr>
         <p:txBody>
-          <a:bodyPr/>
+          <a:bodyPr>
+            <a:normAutofit fontScale="62500" lnSpcReduction="20000"/>
+          </a:bodyPr>
           <a:lstStyle/>
           <a:p>
             <a:pPr marL="0" indent="0">
               <a:buNone/>
             </a:pPr>
             <a:r>
+              <a:rPr lang="en-IN" sz="2900" dirty="0"/>
+              <a:t>Detailed Process List:</a:t>
+            </a:r>
+          </a:p>
+          <a:p>
+            <a:pPr marL="0" indent="0">
+              <a:buNone/>
+            </a:pPr>
+            <a:r>
+              <a:rPr lang="en-US" sz="2900" b="1" dirty="0"/>
+              <a:t>1. Authentication and Authorization</a:t>
+            </a:r>
+            <a:endParaRPr lang="en-US" sz="2900" dirty="0"/>
+          </a:p>
+          <a:p>
+            <a:pPr marL="457200" lvl="1" indent="0">
+              <a:buNone/>
+            </a:pPr>
+            <a:r>
+              <a:rPr lang="en-US" sz="2900" dirty="0"/>
+              <a:t>1. User Signup</a:t>
+            </a:r>
+          </a:p>
+          <a:p>
+            <a:pPr marL="457200" lvl="1" indent="0">
+              <a:buNone/>
+            </a:pPr>
+            <a:r>
+              <a:rPr lang="en-US" sz="2900" dirty="0"/>
+              <a:t>2. User Login/Logout</a:t>
+            </a:r>
+          </a:p>
+          <a:p>
+            <a:pPr marL="0" indent="0">
+              <a:buNone/>
+            </a:pPr>
+            <a:r>
+              <a:rPr lang="en-US" sz="2900" b="1" dirty="0"/>
+              <a:t>2. Student Enrollment and Management</a:t>
+            </a:r>
+            <a:endParaRPr lang="en-US" sz="2900" dirty="0"/>
+          </a:p>
+          <a:p>
+            <a:pPr marL="457200" lvl="1" indent="0">
+              <a:buNone/>
+            </a:pPr>
+            <a:r>
+              <a:rPr lang="en-US" sz="2900" dirty="0"/>
+              <a:t>1. Enroll in Class</a:t>
+            </a:r>
+          </a:p>
+          <a:p>
+            <a:pPr marL="457200" lvl="1" indent="0">
+              <a:buNone/>
+            </a:pPr>
+            <a:r>
+              <a:rPr lang="en-US" sz="2900" dirty="0"/>
+              <a:t>2. View Enrolled Classes</a:t>
+            </a:r>
+          </a:p>
+          <a:p>
+            <a:pPr marL="0" indent="0">
+              <a:buNone/>
+            </a:pPr>
+            <a:r>
+              <a:rPr lang="en-US" sz="2900" b="1" dirty="0"/>
+              <a:t>3. Classroom and Course Management (by Staff)</a:t>
+            </a:r>
+            <a:endParaRPr lang="en-US" sz="2900" dirty="0"/>
+          </a:p>
+          <a:p>
+            <a:pPr marL="457200" lvl="1" indent="0">
+              <a:buNone/>
+            </a:pPr>
+            <a:r>
+              <a:rPr lang="en-US" sz="2900" dirty="0"/>
+              <a:t>1. Create Class</a:t>
+            </a:r>
+          </a:p>
+          <a:p>
+            <a:pPr marL="457200" lvl="1" indent="0">
+              <a:buNone/>
+            </a:pPr>
+            <a:r>
+              <a:rPr lang="en-US" sz="2900" dirty="0"/>
+              <a:t>2. Update Class Details</a:t>
+            </a:r>
+          </a:p>
+          <a:p>
+            <a:pPr marL="457200" lvl="1" indent="0">
+              <a:buNone/>
+            </a:pPr>
+            <a:r>
+              <a:rPr lang="en-US" sz="2900" dirty="0"/>
+              <a:t>3. Archive Class</a:t>
+            </a:r>
+          </a:p>
+          <a:p>
+            <a:pPr marL="457200" lvl="1" indent="0">
+              <a:buNone/>
+            </a:pPr>
+            <a:r>
+              <a:rPr lang="en-US" sz="2900" dirty="0"/>
+              <a:t>4. Send Student Invite</a:t>
+            </a:r>
+          </a:p>
+          <a:p>
+            <a:pPr marL="0" indent="0">
+              <a:buNone/>
+            </a:pPr>
+            <a:r>
+              <a:rPr lang="en-US" sz="2900" b="1" dirty="0"/>
+              <a:t>4. Content and Material Management</a:t>
+            </a:r>
+            <a:endParaRPr lang="en-US" sz="2900" dirty="0"/>
+          </a:p>
+          <a:p>
+            <a:pPr marL="457200" lvl="1" indent="0">
+              <a:buNone/>
+            </a:pPr>
+            <a:r>
+              <a:rPr lang="en-US" sz="2900" dirty="0"/>
+              <a:t>1. Upload Class Materials</a:t>
+            </a:r>
+          </a:p>
+          <a:p>
+            <a:pPr marL="457200" lvl="1" indent="0">
+              <a:buNone/>
+            </a:pPr>
+            <a:r>
+              <a:rPr lang="en-US" sz="2900" dirty="0"/>
+              <a:t>2. View Class Materials</a:t>
+            </a:r>
+          </a:p>
+          <a:p>
+            <a:pPr marL="457200" lvl="1" indent="0">
+              <a:buNone/>
+            </a:pPr>
+            <a:r>
+              <a:rPr lang="en-US" sz="2900" dirty="0"/>
+              <a:t>3. Delete Class Materials</a:t>
+            </a:r>
+          </a:p>
+        </p:txBody>
+      </p:sp>
+      <p:sp>
+        <p:nvSpPr>
+          <p:cNvPr id="5" name="TextBox 4">
+            <a:extLst>
+              <a:ext uri="{FF2B5EF4-FFF2-40B4-BE49-F238E27FC236}">
+                <a16:creationId xmlns:a16="http://schemas.microsoft.com/office/drawing/2014/main" id="{23C7FCAD-8554-2C5B-92AA-57E732C573D1}"/>
+              </a:ext>
+            </a:extLst>
+          </p:cNvPr>
+          <p:cNvSpPr txBox="1"/>
+          <p:nvPr/>
+        </p:nvSpPr>
+        <p:spPr>
+          <a:xfrm>
+            <a:off x="6445528" y="1121252"/>
+            <a:ext cx="4312552" cy="5078313"/>
+          </a:xfrm>
+          <a:prstGeom prst="rect">
+            <a:avLst/>
+          </a:prstGeom>
+          <a:noFill/>
+        </p:spPr>
+        <p:txBody>
+          <a:bodyPr wrap="square" rtlCol="0">
+            <a:spAutoFit/>
+          </a:bodyPr>
+          <a:lstStyle/>
+          <a:p>
+            <a:r>
+              <a:rPr lang="en-US" b="1" dirty="0"/>
+              <a:t>5. Assignment Management</a:t>
+            </a:r>
+            <a:endParaRPr lang="en-US" dirty="0"/>
+          </a:p>
+          <a:p>
+            <a:pPr marL="742950" lvl="1" indent="-285750">
+              <a:buFont typeface="+mj-lt"/>
+              <a:buAutoNum type="arabicPeriod"/>
+            </a:pPr>
+            <a:r>
+              <a:rPr lang="en-US" dirty="0"/>
+              <a:t>Create Assignment</a:t>
+            </a:r>
+          </a:p>
+          <a:p>
+            <a:pPr marL="742950" lvl="1" indent="-285750">
+              <a:buFont typeface="+mj-lt"/>
+              <a:buAutoNum type="arabicPeriod"/>
+            </a:pPr>
+            <a:r>
+              <a:rPr lang="en-US" dirty="0"/>
+              <a:t>Update Assignment</a:t>
+            </a:r>
+          </a:p>
+          <a:p>
+            <a:pPr marL="742950" lvl="1" indent="-285750">
+              <a:buFont typeface="+mj-lt"/>
+              <a:buAutoNum type="arabicPeriod"/>
+            </a:pPr>
+            <a:r>
+              <a:rPr lang="en-US" dirty="0"/>
+              <a:t>View Assignment</a:t>
+            </a:r>
+            <a:endParaRPr lang="en-IN" sz="2000" dirty="0"/>
+          </a:p>
+          <a:p>
+            <a:r>
+              <a:rPr lang="en-US" b="1" dirty="0"/>
+              <a:t>6. Assignment Submission and Grading</a:t>
+            </a:r>
+            <a:endParaRPr lang="en-US" dirty="0"/>
+          </a:p>
+          <a:p>
+            <a:pPr marL="742950" lvl="1" indent="-285750">
+              <a:buFont typeface="+mj-lt"/>
+              <a:buAutoNum type="arabicPeriod"/>
+            </a:pPr>
+            <a:r>
+              <a:rPr lang="en-US" dirty="0"/>
+              <a:t>Submit Assignment</a:t>
+            </a:r>
+          </a:p>
+          <a:p>
+            <a:pPr marL="742950" lvl="1" indent="-285750">
+              <a:buFont typeface="+mj-lt"/>
+              <a:buAutoNum type="arabicPeriod"/>
+            </a:pPr>
+            <a:r>
+              <a:rPr lang="en-US" dirty="0"/>
+              <a:t>Grade Assignment</a:t>
+            </a:r>
+          </a:p>
+          <a:p>
+            <a:pPr marL="742950" lvl="1" indent="-285750">
+              <a:buFont typeface="+mj-lt"/>
+              <a:buAutoNum type="arabicPeriod"/>
+            </a:pPr>
+            <a:r>
+              <a:rPr lang="en-US" dirty="0"/>
+              <a:t>View Grades</a:t>
+            </a:r>
+          </a:p>
+          <a:p>
+            <a:r>
+              <a:rPr lang="en-US" b="1" dirty="0"/>
+              <a:t>7. Notifications and Alerts</a:t>
+            </a:r>
+            <a:endParaRPr lang="en-US" dirty="0"/>
+          </a:p>
+          <a:p>
+            <a:pPr marL="742950" lvl="1" indent="-285750">
+              <a:buFont typeface="+mj-lt"/>
+              <a:buAutoNum type="arabicPeriod"/>
+            </a:pPr>
+            <a:r>
+              <a:rPr lang="en-US" dirty="0"/>
+              <a:t>Send Notifications as reminders, grade updates, etc.</a:t>
+            </a:r>
+          </a:p>
+          <a:p>
+            <a:r>
+              <a:rPr lang="en-IN" b="1" dirty="0"/>
+              <a:t>8. Profile Management</a:t>
+            </a:r>
+            <a:endParaRPr lang="en-IN" dirty="0"/>
+          </a:p>
+          <a:p>
+            <a:pPr marL="800100" lvl="1" indent="-342900">
+              <a:buFont typeface="+mj-lt"/>
+              <a:buAutoNum type="arabicPeriod"/>
+            </a:pPr>
+            <a:r>
               <a:rPr lang="en-IN" dirty="0"/>
-              <a:t>Process List:</a:t>
+              <a:t>View Profile</a:t>
+            </a:r>
+          </a:p>
+          <a:p>
+            <a:pPr marL="800100" lvl="1" indent="-342900">
+              <a:buFont typeface="+mj-lt"/>
+              <a:buAutoNum type="arabicPeriod"/>
+            </a:pPr>
+            <a:r>
+              <a:rPr lang="en-IN" dirty="0"/>
+              <a:t>Update Profile</a:t>
+            </a:r>
+          </a:p>
+          <a:p>
+            <a:pPr marL="800100" lvl="1" indent="-342900">
+              <a:buFont typeface="+mj-lt"/>
+              <a:buAutoNum type="arabicPeriod"/>
+            </a:pPr>
+            <a:r>
+              <a:rPr lang="en-IN" dirty="0"/>
+              <a:t>Change Password</a:t>
+            </a:r>
+          </a:p>
+          <a:p>
+            <a:r>
+              <a:rPr lang="en-US" b="1" dirty="0"/>
+              <a:t>9. Discussion Forum</a:t>
+            </a:r>
+          </a:p>
+          <a:p>
+            <a:pPr lvl="1">
+              <a:buFont typeface="+mj-lt"/>
+              <a:buAutoNum type="arabicPeriod"/>
+            </a:pPr>
+            <a:r>
+              <a:rPr lang="en-US" dirty="0"/>
+              <a:t> Post class comment</a:t>
+            </a:r>
+          </a:p>
+          <a:p>
+            <a:pPr marL="742950" lvl="1" indent="-285750">
+              <a:buFont typeface="+mj-lt"/>
+              <a:buAutoNum type="arabicPeriod"/>
+            </a:pPr>
+            <a:r>
+              <a:rPr lang="en-US" dirty="0"/>
+              <a:t>View class comment</a:t>
             </a:r>
           </a:p>
         </p:txBody>
@@ -14183,6 +14093,998 @@
     <p:extLst>
       <p:ext uri="{BB962C8B-B14F-4D97-AF65-F5344CB8AC3E}">
         <p14:creationId xmlns:p14="http://schemas.microsoft.com/office/powerpoint/2010/main" val="4175816747"/>
+      </p:ext>
+    </p:extLst>
+  </p:cSld>
+  <p:clrMapOvr>
+    <a:masterClrMapping/>
+  </p:clrMapOvr>
+</p:sld>
+</file>
+
+<file path=ppt/slides/slide15.xml><?xml version="1.0" encoding="utf-8"?>
+<p:sld xmlns:a="http://schemas.openxmlformats.org/drawingml/2006/main" xmlns:r="http://schemas.openxmlformats.org/officeDocument/2006/relationships" xmlns:p="http://schemas.openxmlformats.org/presentationml/2006/main">
+  <p:cSld>
+    <p:spTree>
+      <p:nvGrpSpPr>
+        <p:cNvPr id="1" name=""/>
+        <p:cNvGrpSpPr/>
+        <p:nvPr/>
+      </p:nvGrpSpPr>
+      <p:grpSpPr>
+        <a:xfrm>
+          <a:off x="0" y="0"/>
+          <a:ext cx="0" cy="0"/>
+          <a:chOff x="0" y="0"/>
+          <a:chExt cx="0" cy="0"/>
+        </a:xfrm>
+      </p:grpSpPr>
+      <p:sp>
+        <p:nvSpPr>
+          <p:cNvPr id="2" name="Title 1">
+            <a:extLst>
+              <a:ext uri="{FF2B5EF4-FFF2-40B4-BE49-F238E27FC236}">
+                <a16:creationId xmlns:a16="http://schemas.microsoft.com/office/drawing/2014/main" id="{EA97CCD7-327C-3956-460A-74808E145B44}"/>
+              </a:ext>
+            </a:extLst>
+          </p:cNvPr>
+          <p:cNvSpPr>
+            <a:spLocks noGrp="1"/>
+          </p:cNvSpPr>
+          <p:nvPr>
+            <p:ph type="title"/>
+          </p:nvPr>
+        </p:nvSpPr>
+        <p:spPr>
+          <a:xfrm>
+            <a:off x="1141413" y="176981"/>
+            <a:ext cx="9905998" cy="797327"/>
+          </a:xfrm>
+        </p:spPr>
+        <p:txBody>
+          <a:bodyPr/>
+          <a:lstStyle/>
+          <a:p>
+            <a:r>
+              <a:rPr lang="en-IN" dirty="0"/>
+              <a:t>DESIGN AND ANALYSIS</a:t>
+            </a:r>
+            <a:r>
+              <a:rPr lang="en-US" dirty="0"/>
+              <a:t>: Pseudocode</a:t>
+            </a:r>
+            <a:endParaRPr lang="en-IN" dirty="0"/>
+          </a:p>
+        </p:txBody>
+      </p:sp>
+      <p:sp>
+        <p:nvSpPr>
+          <p:cNvPr id="3" name="Content Placeholder 2">
+            <a:extLst>
+              <a:ext uri="{FF2B5EF4-FFF2-40B4-BE49-F238E27FC236}">
+                <a16:creationId xmlns:a16="http://schemas.microsoft.com/office/drawing/2014/main" id="{6ED859AA-9BB8-81BA-B2C6-C19CF6901DB4}"/>
+              </a:ext>
+            </a:extLst>
+          </p:cNvPr>
+          <p:cNvSpPr>
+            <a:spLocks noGrp="1"/>
+          </p:cNvSpPr>
+          <p:nvPr>
+            <p:ph idx="1"/>
+          </p:nvPr>
+        </p:nvSpPr>
+        <p:spPr>
+          <a:xfrm>
+            <a:off x="1141413" y="974308"/>
+            <a:ext cx="9905998" cy="5426491"/>
+          </a:xfrm>
+        </p:spPr>
+        <p:txBody>
+          <a:bodyPr/>
+          <a:lstStyle/>
+          <a:p>
+            <a:pPr marL="0" indent="0">
+              <a:buNone/>
+            </a:pPr>
+            <a:r>
+              <a:rPr lang="en-US" sz="2000" b="1" dirty="0"/>
+              <a:t>1) </a:t>
+            </a:r>
+            <a:r>
+              <a:rPr lang="en-US" sz="2000" b="1" dirty="0" err="1"/>
+              <a:t>enroll_in_class</a:t>
+            </a:r>
+            <a:r>
+              <a:rPr lang="en-US" sz="2000" b="1" dirty="0"/>
+              <a:t>(</a:t>
+            </a:r>
+            <a:r>
+              <a:rPr lang="en-US" sz="2000" b="1" dirty="0" err="1"/>
+              <a:t>student_id</a:t>
+            </a:r>
+            <a:r>
+              <a:rPr lang="en-US" sz="2000" b="1" dirty="0"/>
+              <a:t>, </a:t>
+            </a:r>
+            <a:r>
+              <a:rPr lang="en-US" sz="2000" b="1" dirty="0" err="1"/>
+              <a:t>class_id</a:t>
+            </a:r>
+            <a:r>
+              <a:rPr lang="en-US" sz="2000" b="1" dirty="0"/>
+              <a:t>):</a:t>
+            </a:r>
+          </a:p>
+          <a:p>
+            <a:pPr lvl="1"/>
+            <a:r>
+              <a:rPr lang="en-US" dirty="0"/>
+              <a:t>Step 1: Check if class exists </a:t>
+            </a:r>
+          </a:p>
+          <a:p>
+            <a:pPr lvl="2"/>
+            <a:r>
+              <a:rPr lang="en-US" sz="2000" dirty="0" err="1"/>
+              <a:t>class_details</a:t>
+            </a:r>
+            <a:r>
+              <a:rPr lang="en-US" sz="2000" dirty="0"/>
+              <a:t> = </a:t>
+            </a:r>
+            <a:r>
+              <a:rPr lang="en-US" sz="2000" dirty="0" err="1"/>
+              <a:t>ClassroomDB.get_class_details</a:t>
+            </a:r>
+            <a:r>
+              <a:rPr lang="en-US" sz="2000" dirty="0"/>
+              <a:t>(</a:t>
+            </a:r>
+            <a:r>
+              <a:rPr lang="en-US" sz="2000" dirty="0" err="1"/>
+              <a:t>class_id</a:t>
+            </a:r>
+            <a:r>
+              <a:rPr lang="en-US" sz="2000" dirty="0"/>
+              <a:t>) </a:t>
+            </a:r>
+          </a:p>
+          <a:p>
+            <a:pPr lvl="2"/>
+            <a:r>
+              <a:rPr lang="en-US" sz="2000" dirty="0"/>
+              <a:t>if </a:t>
+            </a:r>
+            <a:r>
+              <a:rPr lang="en-US" sz="2000" dirty="0" err="1"/>
+              <a:t>class_details</a:t>
+            </a:r>
+            <a:r>
+              <a:rPr lang="en-US" sz="2000" dirty="0"/>
+              <a:t> is None: return "Class not found“</a:t>
+            </a:r>
+          </a:p>
+          <a:p>
+            <a:pPr lvl="1"/>
+            <a:r>
+              <a:rPr lang="en-US" dirty="0"/>
+              <a:t>Step 2: Check if student is already enrolled </a:t>
+            </a:r>
+          </a:p>
+          <a:p>
+            <a:pPr lvl="2"/>
+            <a:r>
+              <a:rPr lang="en-US" sz="2000" dirty="0" err="1"/>
+              <a:t>enrollment_status</a:t>
+            </a:r>
+            <a:r>
+              <a:rPr lang="en-US" sz="2000" dirty="0"/>
+              <a:t> = </a:t>
+            </a:r>
+            <a:r>
+              <a:rPr lang="en-US" sz="2000" dirty="0" err="1"/>
+              <a:t>EnrollmentDB.check_enrollment</a:t>
+            </a:r>
+            <a:r>
+              <a:rPr lang="en-US" sz="2000" dirty="0"/>
+              <a:t>(</a:t>
+            </a:r>
+            <a:r>
+              <a:rPr lang="en-US" sz="2000" dirty="0" err="1"/>
+              <a:t>student_id</a:t>
+            </a:r>
+            <a:r>
+              <a:rPr lang="en-US" sz="2000" dirty="0"/>
+              <a:t>, </a:t>
+            </a:r>
+            <a:r>
+              <a:rPr lang="en-US" sz="2000" dirty="0" err="1"/>
+              <a:t>class_id</a:t>
+            </a:r>
+            <a:r>
+              <a:rPr lang="en-US" sz="2000" dirty="0"/>
+              <a:t>) </a:t>
+            </a:r>
+          </a:p>
+          <a:p>
+            <a:pPr lvl="2"/>
+            <a:r>
+              <a:rPr lang="en-US" sz="2000" dirty="0"/>
+              <a:t>if </a:t>
+            </a:r>
+            <a:r>
+              <a:rPr lang="en-US" sz="2000" dirty="0" err="1"/>
+              <a:t>enrollment_status</a:t>
+            </a:r>
+            <a:r>
+              <a:rPr lang="en-US" sz="2000" dirty="0"/>
+              <a:t> is True: return "Already enrolled in this class"</a:t>
+            </a:r>
+            <a:endParaRPr lang="en-IN" sz="2000" dirty="0"/>
+          </a:p>
+          <a:p>
+            <a:pPr lvl="1"/>
+            <a:r>
+              <a:rPr lang="en-IN" dirty="0"/>
+              <a:t>Step 3: Record </a:t>
+            </a:r>
+            <a:r>
+              <a:rPr lang="en-IN" dirty="0" err="1"/>
+              <a:t>enrollment</a:t>
+            </a:r>
+            <a:r>
+              <a:rPr lang="en-IN" dirty="0"/>
+              <a:t> </a:t>
+            </a:r>
+          </a:p>
+          <a:p>
+            <a:pPr lvl="2"/>
+            <a:r>
+              <a:rPr lang="en-IN" sz="2000" dirty="0" err="1"/>
+              <a:t>enrollment_date</a:t>
+            </a:r>
+            <a:r>
+              <a:rPr lang="en-IN" sz="2000" dirty="0"/>
+              <a:t> = </a:t>
+            </a:r>
+            <a:r>
+              <a:rPr lang="en-IN" sz="2000" dirty="0" err="1"/>
+              <a:t>current_date</a:t>
+            </a:r>
+            <a:r>
+              <a:rPr lang="en-IN" sz="2000" dirty="0"/>
+              <a:t>() </a:t>
+            </a:r>
+          </a:p>
+          <a:p>
+            <a:pPr lvl="2"/>
+            <a:r>
+              <a:rPr lang="en-IN" sz="2000" dirty="0"/>
+              <a:t>success = </a:t>
+            </a:r>
+            <a:r>
+              <a:rPr lang="en-IN" sz="2000" dirty="0" err="1"/>
+              <a:t>EnrollmentDB.save_enrollment</a:t>
+            </a:r>
+            <a:r>
+              <a:rPr lang="en-IN" sz="2000" dirty="0"/>
+              <a:t>(</a:t>
+            </a:r>
+            <a:r>
+              <a:rPr lang="en-IN" sz="2000" dirty="0" err="1"/>
+              <a:t>student_id</a:t>
+            </a:r>
+            <a:r>
+              <a:rPr lang="en-IN" sz="2000" dirty="0"/>
+              <a:t>, </a:t>
+            </a:r>
+            <a:r>
+              <a:rPr lang="en-IN" sz="2000" dirty="0" err="1"/>
+              <a:t>class_id</a:t>
+            </a:r>
+            <a:r>
+              <a:rPr lang="en-IN" sz="2000" dirty="0"/>
+              <a:t>, </a:t>
+            </a:r>
+            <a:r>
+              <a:rPr lang="en-IN" sz="2000" dirty="0" err="1"/>
+              <a:t>enrollment_date</a:t>
+            </a:r>
+            <a:r>
+              <a:rPr lang="en-IN" sz="2000" dirty="0"/>
+              <a:t>)</a:t>
+            </a:r>
+          </a:p>
+          <a:p>
+            <a:pPr lvl="2"/>
+            <a:r>
+              <a:rPr lang="en-US" sz="2000" dirty="0"/>
+              <a:t>if success: return "Enrollment successful" </a:t>
+            </a:r>
+          </a:p>
+          <a:p>
+            <a:pPr lvl="2"/>
+            <a:r>
+              <a:rPr lang="en-US" sz="2000" dirty="0"/>
+              <a:t>else: return "Enrollment failed, please try again"</a:t>
+            </a:r>
+            <a:endParaRPr lang="en-IN" sz="2000" dirty="0"/>
+          </a:p>
+          <a:p>
+            <a:endParaRPr lang="en-IN" dirty="0"/>
+          </a:p>
+        </p:txBody>
+      </p:sp>
+    </p:spTree>
+    <p:extLst>
+      <p:ext uri="{BB962C8B-B14F-4D97-AF65-F5344CB8AC3E}">
+        <p14:creationId xmlns:p14="http://schemas.microsoft.com/office/powerpoint/2010/main" val="3814678232"/>
+      </p:ext>
+    </p:extLst>
+  </p:cSld>
+  <p:clrMapOvr>
+    <a:masterClrMapping/>
+  </p:clrMapOvr>
+</p:sld>
+</file>
+
+<file path=ppt/slides/slide16.xml><?xml version="1.0" encoding="utf-8"?>
+<p:sld xmlns:a="http://schemas.openxmlformats.org/drawingml/2006/main" xmlns:r="http://schemas.openxmlformats.org/officeDocument/2006/relationships" xmlns:p="http://schemas.openxmlformats.org/presentationml/2006/main">
+  <p:cSld>
+    <p:spTree>
+      <p:nvGrpSpPr>
+        <p:cNvPr id="1" name="">
+          <a:extLst>
+            <a:ext uri="{FF2B5EF4-FFF2-40B4-BE49-F238E27FC236}">
+              <a16:creationId xmlns:a16="http://schemas.microsoft.com/office/drawing/2014/main" id="{762BF2F3-6B44-DF42-AB71-A49F33B30CFE}"/>
+            </a:ext>
+          </a:extLst>
+        </p:cNvPr>
+        <p:cNvGrpSpPr/>
+        <p:nvPr/>
+      </p:nvGrpSpPr>
+      <p:grpSpPr>
+        <a:xfrm>
+          <a:off x="0" y="0"/>
+          <a:ext cx="0" cy="0"/>
+          <a:chOff x="0" y="0"/>
+          <a:chExt cx="0" cy="0"/>
+        </a:xfrm>
+      </p:grpSpPr>
+      <p:sp>
+        <p:nvSpPr>
+          <p:cNvPr id="2" name="Title 1">
+            <a:extLst>
+              <a:ext uri="{FF2B5EF4-FFF2-40B4-BE49-F238E27FC236}">
+                <a16:creationId xmlns:a16="http://schemas.microsoft.com/office/drawing/2014/main" id="{4A4A1926-AAE8-70BE-13E4-271722384EEB}"/>
+              </a:ext>
+            </a:extLst>
+          </p:cNvPr>
+          <p:cNvSpPr>
+            <a:spLocks noGrp="1"/>
+          </p:cNvSpPr>
+          <p:nvPr>
+            <p:ph type="title"/>
+          </p:nvPr>
+        </p:nvSpPr>
+        <p:spPr>
+          <a:xfrm>
+            <a:off x="1141413" y="176981"/>
+            <a:ext cx="9905998" cy="797327"/>
+          </a:xfrm>
+        </p:spPr>
+        <p:txBody>
+          <a:bodyPr/>
+          <a:lstStyle/>
+          <a:p>
+            <a:r>
+              <a:rPr lang="en-IN" dirty="0"/>
+              <a:t>DESIGN AND ANALYSIS</a:t>
+            </a:r>
+            <a:r>
+              <a:rPr lang="en-US" dirty="0"/>
+              <a:t>: Pseudocode</a:t>
+            </a:r>
+            <a:endParaRPr lang="en-IN" dirty="0"/>
+          </a:p>
+        </p:txBody>
+      </p:sp>
+      <p:sp>
+        <p:nvSpPr>
+          <p:cNvPr id="3" name="Content Placeholder 2">
+            <a:extLst>
+              <a:ext uri="{FF2B5EF4-FFF2-40B4-BE49-F238E27FC236}">
+                <a16:creationId xmlns:a16="http://schemas.microsoft.com/office/drawing/2014/main" id="{41F1CB80-FB02-BD17-18D4-C993AD647E40}"/>
+              </a:ext>
+            </a:extLst>
+          </p:cNvPr>
+          <p:cNvSpPr>
+            <a:spLocks noGrp="1"/>
+          </p:cNvSpPr>
+          <p:nvPr>
+            <p:ph idx="1"/>
+          </p:nvPr>
+        </p:nvSpPr>
+        <p:spPr>
+          <a:xfrm>
+            <a:off x="1141413" y="974308"/>
+            <a:ext cx="9905998" cy="5426491"/>
+          </a:xfrm>
+        </p:spPr>
+        <p:txBody>
+          <a:bodyPr>
+            <a:normAutofit fontScale="92500" lnSpcReduction="10000"/>
+          </a:bodyPr>
+          <a:lstStyle/>
+          <a:p>
+            <a:pPr marL="0" indent="0">
+              <a:buNone/>
+            </a:pPr>
+            <a:r>
+              <a:rPr lang="en-US" sz="2000" b="1" dirty="0"/>
+              <a:t>2) </a:t>
+            </a:r>
+            <a:r>
+              <a:rPr lang="en-US" sz="2000" b="1" dirty="0" err="1"/>
+              <a:t>create_assignment</a:t>
+            </a:r>
+            <a:r>
+              <a:rPr lang="en-US" sz="2000" b="1" dirty="0"/>
+              <a:t>(</a:t>
+            </a:r>
+            <a:r>
+              <a:rPr lang="en-US" sz="2000" b="1" dirty="0" err="1"/>
+              <a:t>staff_id</a:t>
+            </a:r>
+            <a:r>
+              <a:rPr lang="en-US" sz="2000" b="1" dirty="0"/>
+              <a:t>, </a:t>
+            </a:r>
+            <a:r>
+              <a:rPr lang="en-US" sz="2000" b="1" dirty="0" err="1"/>
+              <a:t>class_id</a:t>
+            </a:r>
+            <a:r>
+              <a:rPr lang="en-US" sz="2000" b="1" dirty="0"/>
+              <a:t>, title, description, </a:t>
+            </a:r>
+            <a:r>
+              <a:rPr lang="en-US" sz="2000" b="1" dirty="0" err="1"/>
+              <a:t>due_date</a:t>
+            </a:r>
+            <a:r>
+              <a:rPr lang="en-US" sz="2000" b="1" dirty="0"/>
+              <a:t>):</a:t>
+            </a:r>
+          </a:p>
+          <a:p>
+            <a:pPr lvl="1"/>
+            <a:r>
+              <a:rPr lang="en-US" dirty="0"/>
+              <a:t>Step 1: Verify staff authorization</a:t>
+            </a:r>
+          </a:p>
+          <a:p>
+            <a:pPr lvl="2"/>
+            <a:r>
+              <a:rPr lang="en-US" sz="2000" dirty="0" err="1"/>
+              <a:t>authorized_classes</a:t>
+            </a:r>
+            <a:r>
+              <a:rPr lang="en-US" sz="2000" dirty="0"/>
+              <a:t> = </a:t>
+            </a:r>
+            <a:r>
+              <a:rPr lang="en-US" sz="2000" dirty="0" err="1"/>
+              <a:t>ClassroomDB.get_classes_by_staff</a:t>
+            </a:r>
+            <a:r>
+              <a:rPr lang="en-US" sz="2000" dirty="0"/>
+              <a:t>(</a:t>
+            </a:r>
+            <a:r>
+              <a:rPr lang="en-US" sz="2000" dirty="0" err="1"/>
+              <a:t>staff_id</a:t>
+            </a:r>
+            <a:r>
+              <a:rPr lang="en-US" sz="2000" dirty="0"/>
+              <a:t>)</a:t>
+            </a:r>
+          </a:p>
+          <a:p>
+            <a:pPr lvl="2"/>
+            <a:r>
+              <a:rPr lang="en-US" sz="2000" dirty="0"/>
+              <a:t>if </a:t>
+            </a:r>
+            <a:r>
+              <a:rPr lang="en-US" sz="2000" dirty="0" err="1"/>
+              <a:t>class_id</a:t>
+            </a:r>
+            <a:r>
+              <a:rPr lang="en-US" sz="2000" dirty="0"/>
+              <a:t> not in </a:t>
+            </a:r>
+            <a:r>
+              <a:rPr lang="en-US" sz="2000" dirty="0" err="1"/>
+              <a:t>authorized_classes</a:t>
+            </a:r>
+            <a:r>
+              <a:rPr lang="en-US" sz="2000" dirty="0"/>
+              <a:t>: return "Unauthorized: You are not assigned to this class"</a:t>
+            </a:r>
+          </a:p>
+          <a:p>
+            <a:pPr lvl="1"/>
+            <a:r>
+              <a:rPr lang="en-US" dirty="0"/>
+              <a:t>Step 2: </a:t>
+            </a:r>
+            <a:r>
+              <a:rPr lang="en-IN" dirty="0"/>
+              <a:t>Verify class exists</a:t>
+            </a:r>
+          </a:p>
+          <a:p>
+            <a:pPr lvl="2"/>
+            <a:r>
+              <a:rPr lang="en-US" sz="2000" dirty="0" err="1"/>
+              <a:t>class_exists</a:t>
+            </a:r>
+            <a:r>
+              <a:rPr lang="en-US" sz="2000" dirty="0"/>
+              <a:t> = </a:t>
+            </a:r>
+            <a:r>
+              <a:rPr lang="en-US" sz="2000" dirty="0" err="1"/>
+              <a:t>ClassroomDB.check_class_exists</a:t>
+            </a:r>
+            <a:r>
+              <a:rPr lang="en-US" sz="2000" dirty="0"/>
+              <a:t>(</a:t>
+            </a:r>
+            <a:r>
+              <a:rPr lang="en-US" sz="2000" dirty="0" err="1"/>
+              <a:t>class_id</a:t>
+            </a:r>
+            <a:r>
+              <a:rPr lang="en-US" sz="2000" dirty="0"/>
+              <a:t>)</a:t>
+            </a:r>
+          </a:p>
+          <a:p>
+            <a:pPr lvl="2"/>
+            <a:r>
+              <a:rPr lang="en-US" sz="2000" dirty="0"/>
+              <a:t>if </a:t>
+            </a:r>
+            <a:r>
+              <a:rPr lang="en-US" sz="2000" dirty="0" err="1"/>
+              <a:t>class_exists</a:t>
+            </a:r>
+            <a:r>
+              <a:rPr lang="en-US" sz="2000" dirty="0"/>
+              <a:t> is False: return "Class does not exist"</a:t>
+            </a:r>
+            <a:endParaRPr lang="en-IN" sz="2000" dirty="0"/>
+          </a:p>
+          <a:p>
+            <a:pPr lvl="1"/>
+            <a:r>
+              <a:rPr lang="en-IN" dirty="0"/>
+              <a:t>Step 3: Save assignment details</a:t>
+            </a:r>
+          </a:p>
+          <a:p>
+            <a:pPr lvl="2"/>
+            <a:r>
+              <a:rPr lang="en-US" sz="2000" dirty="0" err="1"/>
+              <a:t>assignment_details</a:t>
+            </a:r>
+            <a:r>
+              <a:rPr lang="en-US" sz="2000" dirty="0"/>
+              <a:t> = { "</a:t>
+            </a:r>
+            <a:r>
+              <a:rPr lang="en-US" sz="2000" dirty="0" err="1"/>
+              <a:t>class_id</a:t>
+            </a:r>
+            <a:r>
+              <a:rPr lang="en-US" sz="2000" dirty="0"/>
+              <a:t>": </a:t>
+            </a:r>
+            <a:r>
+              <a:rPr lang="en-US" sz="2000" dirty="0" err="1"/>
+              <a:t>class_id</a:t>
+            </a:r>
+            <a:r>
+              <a:rPr lang="en-US" sz="2000" dirty="0"/>
+              <a:t>, "title": title, "description": description, "</a:t>
+            </a:r>
+            <a:r>
+              <a:rPr lang="en-US" sz="2000" dirty="0" err="1"/>
+              <a:t>due_date</a:t>
+            </a:r>
+            <a:r>
+              <a:rPr lang="en-US" sz="2000" dirty="0"/>
+              <a:t>": </a:t>
+            </a:r>
+            <a:r>
+              <a:rPr lang="en-US" sz="2000" dirty="0" err="1"/>
+              <a:t>due_date</a:t>
+            </a:r>
+            <a:r>
+              <a:rPr lang="en-US" sz="2000" dirty="0"/>
+              <a:t> }</a:t>
+            </a:r>
+          </a:p>
+          <a:p>
+            <a:pPr lvl="2"/>
+            <a:r>
+              <a:rPr lang="en-US" sz="2000" dirty="0" err="1"/>
+              <a:t>assignment_id</a:t>
+            </a:r>
+            <a:r>
+              <a:rPr lang="en-US" sz="2000" dirty="0"/>
+              <a:t> = </a:t>
+            </a:r>
+            <a:r>
+              <a:rPr lang="en-US" sz="2000" dirty="0" err="1"/>
+              <a:t>AssignmentDB.save_assignment</a:t>
+            </a:r>
+            <a:r>
+              <a:rPr lang="en-US" sz="2000" dirty="0"/>
+              <a:t>(</a:t>
+            </a:r>
+            <a:r>
+              <a:rPr lang="en-US" sz="2000" dirty="0" err="1"/>
+              <a:t>assignment_details</a:t>
+            </a:r>
+            <a:r>
+              <a:rPr lang="en-US" sz="2000" dirty="0"/>
+              <a:t>)</a:t>
+            </a:r>
+          </a:p>
+          <a:p>
+            <a:pPr lvl="2"/>
+            <a:r>
+              <a:rPr lang="en-US" sz="2000" dirty="0"/>
+              <a:t>if </a:t>
+            </a:r>
+            <a:r>
+              <a:rPr lang="en-US" sz="2000" dirty="0" err="1"/>
+              <a:t>assignment_id</a:t>
+            </a:r>
+            <a:r>
+              <a:rPr lang="en-US" sz="2000" dirty="0"/>
+              <a:t>: return </a:t>
+            </a:r>
+            <a:r>
+              <a:rPr lang="en-US" sz="2000" dirty="0" err="1"/>
+              <a:t>f"Assignment</a:t>
+            </a:r>
+            <a:r>
+              <a:rPr lang="en-US" sz="2000" dirty="0"/>
+              <a:t> created successfully with ID {</a:t>
+            </a:r>
+            <a:r>
+              <a:rPr lang="en-US" sz="2000" dirty="0" err="1"/>
+              <a:t>assignment_id</a:t>
+            </a:r>
+            <a:r>
+              <a:rPr lang="en-US" sz="2000" dirty="0"/>
+              <a:t>}“</a:t>
+            </a:r>
+          </a:p>
+          <a:p>
+            <a:pPr lvl="2"/>
+            <a:r>
+              <a:rPr lang="en-US" sz="2000" dirty="0"/>
+              <a:t>else: return "Failed to create assignment, please try again"</a:t>
+            </a:r>
+            <a:endParaRPr lang="en-IN" sz="2000" dirty="0"/>
+          </a:p>
+          <a:p>
+            <a:endParaRPr lang="en-IN" dirty="0"/>
+          </a:p>
+        </p:txBody>
+      </p:sp>
+    </p:spTree>
+    <p:extLst>
+      <p:ext uri="{BB962C8B-B14F-4D97-AF65-F5344CB8AC3E}">
+        <p14:creationId xmlns:p14="http://schemas.microsoft.com/office/powerpoint/2010/main" val="3201699739"/>
+      </p:ext>
+    </p:extLst>
+  </p:cSld>
+  <p:clrMapOvr>
+    <a:masterClrMapping/>
+  </p:clrMapOvr>
+</p:sld>
+</file>
+
+<file path=ppt/slides/slide17.xml><?xml version="1.0" encoding="utf-8"?>
+<p:sld xmlns:a="http://schemas.openxmlformats.org/drawingml/2006/main" xmlns:r="http://schemas.openxmlformats.org/officeDocument/2006/relationships" xmlns:p="http://schemas.openxmlformats.org/presentationml/2006/main">
+  <p:cSld>
+    <p:spTree>
+      <p:nvGrpSpPr>
+        <p:cNvPr id="1" name=""/>
+        <p:cNvGrpSpPr/>
+        <p:nvPr/>
+      </p:nvGrpSpPr>
+      <p:grpSpPr>
+        <a:xfrm>
+          <a:off x="0" y="0"/>
+          <a:ext cx="0" cy="0"/>
+          <a:chOff x="0" y="0"/>
+          <a:chExt cx="0" cy="0"/>
+        </a:xfrm>
+      </p:grpSpPr>
+      <p:sp>
+        <p:nvSpPr>
+          <p:cNvPr id="2" name="Title 1">
+            <a:extLst>
+              <a:ext uri="{FF2B5EF4-FFF2-40B4-BE49-F238E27FC236}">
+                <a16:creationId xmlns:a16="http://schemas.microsoft.com/office/drawing/2014/main" id="{BFE63443-7CF4-5809-95DA-5C3F370A7336}"/>
+              </a:ext>
+            </a:extLst>
+          </p:cNvPr>
+          <p:cNvSpPr>
+            <a:spLocks noGrp="1"/>
+          </p:cNvSpPr>
+          <p:nvPr>
+            <p:ph type="title"/>
+          </p:nvPr>
+        </p:nvSpPr>
+        <p:spPr>
+          <a:xfrm>
+            <a:off x="1141412" y="323551"/>
+            <a:ext cx="9905998" cy="1003805"/>
+          </a:xfrm>
+        </p:spPr>
+        <p:txBody>
+          <a:bodyPr/>
+          <a:lstStyle/>
+          <a:p>
+            <a:r>
+              <a:rPr lang="en-US" dirty="0"/>
+              <a:t>CODING (IMPLEMENTATION PHASE):</a:t>
+            </a:r>
+            <a:endParaRPr lang="en-IN" dirty="0"/>
+          </a:p>
+        </p:txBody>
+      </p:sp>
+      <p:sp>
+        <p:nvSpPr>
+          <p:cNvPr id="3" name="Content Placeholder 2">
+            <a:extLst>
+              <a:ext uri="{FF2B5EF4-FFF2-40B4-BE49-F238E27FC236}">
+                <a16:creationId xmlns:a16="http://schemas.microsoft.com/office/drawing/2014/main" id="{2A4BE33D-F068-6F52-1A5F-9EE60574E7FD}"/>
+              </a:ext>
+            </a:extLst>
+          </p:cNvPr>
+          <p:cNvSpPr>
+            <a:spLocks noGrp="1"/>
+          </p:cNvSpPr>
+          <p:nvPr>
+            <p:ph idx="1"/>
+          </p:nvPr>
+        </p:nvSpPr>
+        <p:spPr>
+          <a:xfrm>
+            <a:off x="1141412" y="1111046"/>
+            <a:ext cx="9905999" cy="1907457"/>
+          </a:xfrm>
+        </p:spPr>
+        <p:txBody>
+          <a:bodyPr>
+            <a:normAutofit/>
+          </a:bodyPr>
+          <a:lstStyle/>
+          <a:p>
+            <a:pPr marL="0" indent="0">
+              <a:buNone/>
+            </a:pPr>
+            <a:r>
+              <a:rPr lang="en-US" sz="1800" dirty="0"/>
+              <a:t>Tech Stack used:</a:t>
+            </a:r>
+          </a:p>
+          <a:p>
+            <a:r>
+              <a:rPr lang="en-US" sz="1800" dirty="0"/>
+              <a:t>Front end: HTML, CSS, JavaScript</a:t>
+            </a:r>
+          </a:p>
+          <a:p>
+            <a:r>
+              <a:rPr lang="en-US" sz="1800" dirty="0"/>
+              <a:t>Framework: Django (Python)</a:t>
+            </a:r>
+          </a:p>
+          <a:p>
+            <a:r>
+              <a:rPr lang="en-US" sz="1800" dirty="0"/>
+              <a:t>Back end: DBSQLite</a:t>
+            </a:r>
+            <a:endParaRPr lang="en-IN" sz="1800" dirty="0"/>
+          </a:p>
+        </p:txBody>
+      </p:sp>
+    </p:spTree>
+    <p:extLst>
+      <p:ext uri="{BB962C8B-B14F-4D97-AF65-F5344CB8AC3E}">
+        <p14:creationId xmlns:p14="http://schemas.microsoft.com/office/powerpoint/2010/main" val="2110751983"/>
+      </p:ext>
+    </p:extLst>
+  </p:cSld>
+  <p:clrMapOvr>
+    <a:masterClrMapping/>
+  </p:clrMapOvr>
+</p:sld>
+</file>
+
+<file path=ppt/slides/slide18.xml><?xml version="1.0" encoding="utf-8"?>
+<p:sld xmlns:a="http://schemas.openxmlformats.org/drawingml/2006/main" xmlns:r="http://schemas.openxmlformats.org/officeDocument/2006/relationships" xmlns:p="http://schemas.openxmlformats.org/presentationml/2006/main">
+  <p:cSld>
+    <p:spTree>
+      <p:nvGrpSpPr>
+        <p:cNvPr id="1" name=""/>
+        <p:cNvGrpSpPr/>
+        <p:nvPr/>
+      </p:nvGrpSpPr>
+      <p:grpSpPr>
+        <a:xfrm>
+          <a:off x="0" y="0"/>
+          <a:ext cx="0" cy="0"/>
+          <a:chOff x="0" y="0"/>
+          <a:chExt cx="0" cy="0"/>
+        </a:xfrm>
+      </p:grpSpPr>
+      <p:sp>
+        <p:nvSpPr>
+          <p:cNvPr id="2" name="Title 1">
+            <a:extLst>
+              <a:ext uri="{FF2B5EF4-FFF2-40B4-BE49-F238E27FC236}">
+                <a16:creationId xmlns:a16="http://schemas.microsoft.com/office/drawing/2014/main" id="{F364CFE5-E793-50BC-D7D6-3243A4F67AD7}"/>
+              </a:ext>
+            </a:extLst>
+          </p:cNvPr>
+          <p:cNvSpPr>
+            <a:spLocks noGrp="1"/>
+          </p:cNvSpPr>
+          <p:nvPr>
+            <p:ph type="title"/>
+          </p:nvPr>
+        </p:nvSpPr>
+        <p:spPr>
+          <a:xfrm>
+            <a:off x="1143001" y="313718"/>
+            <a:ext cx="9905998" cy="856321"/>
+          </a:xfrm>
+        </p:spPr>
+        <p:txBody>
+          <a:bodyPr/>
+          <a:lstStyle/>
+          <a:p>
+            <a:r>
+              <a:rPr lang="en-US" dirty="0"/>
+              <a:t>Testing</a:t>
+            </a:r>
+            <a:endParaRPr lang="en-IN" dirty="0"/>
+          </a:p>
+        </p:txBody>
+      </p:sp>
+      <p:sp>
+        <p:nvSpPr>
+          <p:cNvPr id="3" name="Content Placeholder 2">
+            <a:extLst>
+              <a:ext uri="{FF2B5EF4-FFF2-40B4-BE49-F238E27FC236}">
+                <a16:creationId xmlns:a16="http://schemas.microsoft.com/office/drawing/2014/main" id="{98C2BBB2-1CED-2BBA-743A-8AE3092683C7}"/>
+              </a:ext>
+            </a:extLst>
+          </p:cNvPr>
+          <p:cNvSpPr>
+            <a:spLocks noGrp="1"/>
+          </p:cNvSpPr>
+          <p:nvPr>
+            <p:ph idx="1"/>
+          </p:nvPr>
+        </p:nvSpPr>
+        <p:spPr>
+          <a:xfrm>
+            <a:off x="1143001" y="1029928"/>
+            <a:ext cx="10370573" cy="5075904"/>
+          </a:xfrm>
+        </p:spPr>
+        <p:txBody>
+          <a:bodyPr/>
+          <a:lstStyle/>
+          <a:p>
+            <a:r>
+              <a:rPr lang="en-US" dirty="0"/>
+              <a:t>Tool used for unit testing: </a:t>
+            </a:r>
+            <a:r>
+              <a:rPr lang="en-US" b="1" dirty="0"/>
+              <a:t>Pytest</a:t>
+            </a:r>
+          </a:p>
+          <a:p>
+            <a:pPr lvl="1"/>
+            <a:r>
+              <a:rPr lang="en-US" dirty="0"/>
+              <a:t>Flexible to specifically test certain modules</a:t>
+            </a:r>
+          </a:p>
+          <a:p>
+            <a:r>
+              <a:rPr kumimoji="0" lang="en-US" altLang="en-US" sz="2000" b="1" i="0" u="none" strike="noStrike" cap="none" normalizeH="0" baseline="0" dirty="0">
+                <a:ln>
+                  <a:noFill/>
+                </a:ln>
+                <a:solidFill>
+                  <a:schemeClr val="tx1"/>
+                </a:solidFill>
+                <a:effectLst/>
+              </a:rPr>
+              <a:t>Coverage.py</a:t>
+            </a:r>
+            <a:r>
+              <a:rPr kumimoji="0" lang="en-US" altLang="en-US" sz="2000" b="0" i="0" u="none" strike="noStrike" cap="none" normalizeH="0" baseline="0" dirty="0">
+                <a:ln>
+                  <a:noFill/>
+                </a:ln>
+                <a:solidFill>
+                  <a:schemeClr val="tx1"/>
+                </a:solidFill>
+                <a:effectLst/>
+              </a:rPr>
+              <a:t>: This tool measures code coverage in tests, showing how much of your code is tested. It integrates well with both Django's test framework and </a:t>
+            </a:r>
+            <a:r>
+              <a:rPr kumimoji="0" lang="en-US" altLang="en-US" sz="2000" b="0" i="0" u="none" strike="noStrike" cap="none" normalizeH="0" baseline="0" dirty="0" err="1">
+                <a:ln>
+                  <a:noFill/>
+                </a:ln>
+                <a:solidFill>
+                  <a:schemeClr val="tx1"/>
+                </a:solidFill>
+                <a:effectLst/>
+              </a:rPr>
+              <a:t>pytest</a:t>
+            </a:r>
+            <a:r>
+              <a:rPr kumimoji="0" lang="en-US" altLang="en-US" sz="2000" b="0" i="0" u="none" strike="noStrike" cap="none" normalizeH="0" baseline="0" dirty="0">
+                <a:ln>
+                  <a:noFill/>
+                </a:ln>
+                <a:solidFill>
+                  <a:schemeClr val="tx1"/>
+                </a:solidFill>
+                <a:effectLst/>
+              </a:rPr>
+              <a:t>.</a:t>
+            </a:r>
+          </a:p>
+          <a:p>
+            <a:endParaRPr lang="en-US" dirty="0"/>
+          </a:p>
+          <a:p>
+            <a:pPr marL="0" indent="0">
+              <a:buNone/>
+            </a:pPr>
+            <a:r>
+              <a:rPr lang="en-US" dirty="0"/>
+              <a:t> </a:t>
+            </a:r>
+            <a:endParaRPr lang="en-IN" dirty="0"/>
+          </a:p>
+        </p:txBody>
+      </p:sp>
+    </p:spTree>
+    <p:extLst>
+      <p:ext uri="{BB962C8B-B14F-4D97-AF65-F5344CB8AC3E}">
+        <p14:creationId xmlns:p14="http://schemas.microsoft.com/office/powerpoint/2010/main" val="488150600"/>
       </p:ext>
     </p:extLst>
   </p:cSld>

--- a/documentation/project_overview.pptx
+++ b/documentation/project_overview.pptx
@@ -5,7 +5,7 @@
     <p:sldMasterId id="2147483695" r:id="rId1"/>
   </p:sldMasterIdLst>
   <p:notesMasterIdLst>
-    <p:notesMasterId r:id="rId20"/>
+    <p:notesMasterId r:id="rId21"/>
   </p:notesMasterIdLst>
   <p:sldIdLst>
     <p:sldId id="256" r:id="rId2"/>
@@ -26,6 +26,7 @@
     <p:sldId id="273" r:id="rId17"/>
     <p:sldId id="272" r:id="rId18"/>
     <p:sldId id="274" r:id="rId19"/>
+    <p:sldId id="275" r:id="rId20"/>
   </p:sldIdLst>
   <p:sldSz cx="12192000" cy="6858000"/>
   <p:notesSz cx="6858000" cy="9144000"/>
@@ -650,6 +651,90 @@
 </p:notes>
 </file>
 
+<file path=ppt/notesSlides/notesSlide3.xml><?xml version="1.0" encoding="utf-8"?>
+<p:notes xmlns:a="http://schemas.openxmlformats.org/drawingml/2006/main" xmlns:r="http://schemas.openxmlformats.org/officeDocument/2006/relationships" xmlns:p="http://schemas.openxmlformats.org/presentationml/2006/main">
+  <p:cSld>
+    <p:spTree>
+      <p:nvGrpSpPr>
+        <p:cNvPr id="1" name=""/>
+        <p:cNvGrpSpPr/>
+        <p:nvPr/>
+      </p:nvGrpSpPr>
+      <p:grpSpPr>
+        <a:xfrm>
+          <a:off x="0" y="0"/>
+          <a:ext cx="0" cy="0"/>
+          <a:chOff x="0" y="0"/>
+          <a:chExt cx="0" cy="0"/>
+        </a:xfrm>
+      </p:grpSpPr>
+      <p:sp>
+        <p:nvSpPr>
+          <p:cNvPr id="2" name="Slide Image Placeholder 1"/>
+          <p:cNvSpPr>
+            <a:spLocks noGrp="1" noRot="1" noChangeAspect="1"/>
+          </p:cNvSpPr>
+          <p:nvPr>
+            <p:ph type="sldImg"/>
+          </p:nvPr>
+        </p:nvSpPr>
+        <p:spPr/>
+      </p:sp>
+      <p:sp>
+        <p:nvSpPr>
+          <p:cNvPr id="3" name="Notes Placeholder 2"/>
+          <p:cNvSpPr>
+            <a:spLocks noGrp="1"/>
+          </p:cNvSpPr>
+          <p:nvPr>
+            <p:ph type="body" idx="1"/>
+          </p:nvPr>
+        </p:nvSpPr>
+        <p:spPr/>
+        <p:txBody>
+          <a:bodyPr/>
+          <a:lstStyle/>
+          <a:p>
+            <a:endParaRPr lang="en-IN" dirty="0"/>
+          </a:p>
+        </p:txBody>
+      </p:sp>
+      <p:sp>
+        <p:nvSpPr>
+          <p:cNvPr id="4" name="Slide Number Placeholder 3"/>
+          <p:cNvSpPr>
+            <a:spLocks noGrp="1"/>
+          </p:cNvSpPr>
+          <p:nvPr>
+            <p:ph type="sldNum" sz="quarter" idx="5"/>
+          </p:nvPr>
+        </p:nvSpPr>
+        <p:spPr/>
+        <p:txBody>
+          <a:bodyPr/>
+          <a:lstStyle/>
+          <a:p>
+            <a:fld id="{746CD461-6744-4234-85FB-C5808E8E712B}" type="slidenum">
+              <a:rPr lang="en-IN" smtClean="0"/>
+              <a:t>18</a:t>
+            </a:fld>
+            <a:endParaRPr lang="en-IN"/>
+          </a:p>
+        </p:txBody>
+      </p:sp>
+    </p:spTree>
+    <p:extLst>
+      <p:ext uri="{BB962C8B-B14F-4D97-AF65-F5344CB8AC3E}">
+        <p14:creationId xmlns:p14="http://schemas.microsoft.com/office/powerpoint/2010/main" val="2170292221"/>
+      </p:ext>
+    </p:extLst>
+  </p:cSld>
+  <p:clrMapOvr>
+    <a:masterClrMapping/>
+  </p:clrMapOvr>
+</p:notes>
+</file>
+
 <file path=ppt/slideLayouts/slideLayout1.xml><?xml version="1.0" encoding="utf-8"?>
 <p:sldLayout xmlns:a="http://schemas.openxmlformats.org/drawingml/2006/main" xmlns:r="http://schemas.openxmlformats.org/officeDocument/2006/relationships" xmlns:p="http://schemas.openxmlformats.org/presentationml/2006/main" type="title" preserve="1">
   <p:cSld name="Title Slide">
@@ -700,7 +785,7 @@
           <a:noFill/>
           <a:extLst>
             <a:ext uri="{909E8E84-426E-40dd-AFC4-6F175D3DCCD1}">
-              <a14:hiddenFill xmlns:a14="http://schemas.microsoft.com/office/drawing/2010/main" xmlns="">
+              <a14:hiddenFill xmlns="" xmlns:a14="http://schemas.microsoft.com/office/drawing/2010/main">
                 <a:solidFill>
                   <a:srgbClr val="FFFFFF"/>
                 </a:solidFill>
@@ -760,7 +845,7 @@
             </a:ln>
             <a:extLst>
               <a:ext uri="{91240B29-F687-4f45-9708-019B960494DF}">
-                <a14:hiddenLine xmlns:a14="http://schemas.microsoft.com/office/drawing/2010/main" xmlns="" w="9525">
+                <a14:hiddenLine xmlns="" xmlns:a14="http://schemas.microsoft.com/office/drawing/2010/main" w="9525">
                   <a:solidFill>
                     <a:srgbClr val="000000"/>
                   </a:solidFill>
@@ -850,7 +935,7 @@
             </a:ln>
             <a:extLst>
               <a:ext uri="{91240B29-F687-4f45-9708-019B960494DF}">
-                <a14:hiddenLine xmlns:a14="http://schemas.microsoft.com/office/drawing/2010/main" xmlns="" w="9525">
+                <a14:hiddenLine xmlns="" xmlns:a14="http://schemas.microsoft.com/office/drawing/2010/main" w="9525">
                   <a:solidFill>
                     <a:srgbClr val="000000"/>
                   </a:solidFill>
@@ -940,7 +1025,7 @@
             </a:ln>
             <a:extLst>
               <a:ext uri="{91240B29-F687-4f45-9708-019B960494DF}">
-                <a14:hiddenLine xmlns:a14="http://schemas.microsoft.com/office/drawing/2010/main" xmlns="" w="9525">
+                <a14:hiddenLine xmlns="" xmlns:a14="http://schemas.microsoft.com/office/drawing/2010/main" w="9525">
                   <a:solidFill>
                     <a:srgbClr val="000000"/>
                   </a:solidFill>
@@ -974,7 +1059,7 @@
             </a:ln>
             <a:extLst>
               <a:ext uri="{91240B29-F687-4f45-9708-019B960494DF}">
-                <a14:hiddenLine xmlns:a14="http://schemas.microsoft.com/office/drawing/2010/main" xmlns="" w="9525">
+                <a14:hiddenLine xmlns="" xmlns:a14="http://schemas.microsoft.com/office/drawing/2010/main" w="9525">
                   <a:solidFill>
                     <a:srgbClr val="000000"/>
                   </a:solidFill>
@@ -1064,7 +1149,7 @@
             </a:ln>
             <a:extLst>
               <a:ext uri="{91240B29-F687-4f45-9708-019B960494DF}">
-                <a14:hiddenLine xmlns:a14="http://schemas.microsoft.com/office/drawing/2010/main" xmlns="" w="9525">
+                <a14:hiddenLine xmlns="" xmlns:a14="http://schemas.microsoft.com/office/drawing/2010/main" w="9525">
                   <a:solidFill>
                     <a:srgbClr val="000000"/>
                   </a:solidFill>
@@ -1126,7 +1211,7 @@
             </a:ln>
             <a:extLst>
               <a:ext uri="{91240B29-F687-4f45-9708-019B960494DF}">
-                <a14:hiddenLine xmlns:a14="http://schemas.microsoft.com/office/drawing/2010/main" xmlns="" w="9525">
+                <a14:hiddenLine xmlns="" xmlns:a14="http://schemas.microsoft.com/office/drawing/2010/main" w="9525">
                   <a:solidFill>
                     <a:srgbClr val="000000"/>
                   </a:solidFill>
@@ -1188,7 +1273,7 @@
             </a:ln>
             <a:extLst>
               <a:ext uri="{91240B29-F687-4f45-9708-019B960494DF}">
-                <a14:hiddenLine xmlns:a14="http://schemas.microsoft.com/office/drawing/2010/main" xmlns="" w="9525">
+                <a14:hiddenLine xmlns="" xmlns:a14="http://schemas.microsoft.com/office/drawing/2010/main" w="9525">
                   <a:solidFill>
                     <a:srgbClr val="000000"/>
                   </a:solidFill>
@@ -1278,7 +1363,7 @@
             </a:ln>
             <a:extLst>
               <a:ext uri="{91240B29-F687-4f45-9708-019B960494DF}">
-                <a14:hiddenLine xmlns:a14="http://schemas.microsoft.com/office/drawing/2010/main" xmlns="" w="9525">
+                <a14:hiddenLine xmlns="" xmlns:a14="http://schemas.microsoft.com/office/drawing/2010/main" w="9525">
                   <a:solidFill>
                     <a:srgbClr val="000000"/>
                   </a:solidFill>
@@ -1340,7 +1425,7 @@
             </a:ln>
             <a:extLst>
               <a:ext uri="{91240B29-F687-4f45-9708-019B960494DF}">
-                <a14:hiddenLine xmlns:a14="http://schemas.microsoft.com/office/drawing/2010/main" xmlns="" w="9525">
+                <a14:hiddenLine xmlns="" xmlns:a14="http://schemas.microsoft.com/office/drawing/2010/main" w="9525">
                   <a:solidFill>
                     <a:srgbClr val="000000"/>
                   </a:solidFill>
@@ -1402,7 +1487,7 @@
             </a:ln>
             <a:extLst>
               <a:ext uri="{91240B29-F687-4f45-9708-019B960494DF}">
-                <a14:hiddenLine xmlns:a14="http://schemas.microsoft.com/office/drawing/2010/main" xmlns="" w="9525">
+                <a14:hiddenLine xmlns="" xmlns:a14="http://schemas.microsoft.com/office/drawing/2010/main" w="9525">
                   <a:solidFill>
                     <a:srgbClr val="000000"/>
                   </a:solidFill>
@@ -1492,7 +1577,7 @@
             </a:ln>
             <a:extLst>
               <a:ext uri="{91240B29-F687-4f45-9708-019B960494DF}">
-                <a14:hiddenLine xmlns:a14="http://schemas.microsoft.com/office/drawing/2010/main" xmlns="" w="9525">
+                <a14:hiddenLine xmlns="" xmlns:a14="http://schemas.microsoft.com/office/drawing/2010/main" w="9525">
                   <a:solidFill>
                     <a:srgbClr val="000000"/>
                   </a:solidFill>
@@ -1582,7 +1667,7 @@
             </a:ln>
             <a:extLst>
               <a:ext uri="{91240B29-F687-4f45-9708-019B960494DF}">
-                <a14:hiddenLine xmlns:a14="http://schemas.microsoft.com/office/drawing/2010/main" xmlns="" w="9525">
+                <a14:hiddenLine xmlns="" xmlns:a14="http://schemas.microsoft.com/office/drawing/2010/main" w="9525">
                   <a:solidFill>
                     <a:srgbClr val="000000"/>
                   </a:solidFill>
@@ -1644,7 +1729,7 @@
             </a:ln>
             <a:extLst>
               <a:ext uri="{91240B29-F687-4f45-9708-019B960494DF}">
-                <a14:hiddenLine xmlns:a14="http://schemas.microsoft.com/office/drawing/2010/main" xmlns="" w="9525">
+                <a14:hiddenLine xmlns="" xmlns:a14="http://schemas.microsoft.com/office/drawing/2010/main" w="9525">
                   <a:solidFill>
                     <a:srgbClr val="000000"/>
                   </a:solidFill>
@@ -1754,7 +1839,7 @@
             </a:ln>
             <a:extLst>
               <a:ext uri="{91240B29-F687-4f45-9708-019B960494DF}">
-                <a14:hiddenLine xmlns:a14="http://schemas.microsoft.com/office/drawing/2010/main" xmlns="" w="9525">
+                <a14:hiddenLine xmlns="" xmlns:a14="http://schemas.microsoft.com/office/drawing/2010/main" w="9525">
                   <a:solidFill>
                     <a:srgbClr val="000000"/>
                   </a:solidFill>
@@ -1816,7 +1901,7 @@
             </a:ln>
             <a:extLst>
               <a:ext uri="{91240B29-F687-4f45-9708-019B960494DF}">
-                <a14:hiddenLine xmlns:a14="http://schemas.microsoft.com/office/drawing/2010/main" xmlns="" w="9525">
+                <a14:hiddenLine xmlns="" xmlns:a14="http://schemas.microsoft.com/office/drawing/2010/main" w="9525">
                   <a:solidFill>
                     <a:srgbClr val="000000"/>
                   </a:solidFill>
@@ -1906,7 +1991,7 @@
             </a:ln>
             <a:extLst>
               <a:ext uri="{91240B29-F687-4f45-9708-019B960494DF}">
-                <a14:hiddenLine xmlns:a14="http://schemas.microsoft.com/office/drawing/2010/main" xmlns="" w="9525">
+                <a14:hiddenLine xmlns="" xmlns:a14="http://schemas.microsoft.com/office/drawing/2010/main" w="9525">
                   <a:solidFill>
                     <a:srgbClr val="000000"/>
                   </a:solidFill>
@@ -1996,7 +2081,7 @@
             </a:ln>
             <a:extLst>
               <a:ext uri="{91240B29-F687-4f45-9708-019B960494DF}">
-                <a14:hiddenLine xmlns:a14="http://schemas.microsoft.com/office/drawing/2010/main" xmlns="" w="9525">
+                <a14:hiddenLine xmlns="" xmlns:a14="http://schemas.microsoft.com/office/drawing/2010/main" w="9525">
                   <a:solidFill>
                     <a:srgbClr val="000000"/>
                   </a:solidFill>
@@ -2058,7 +2143,7 @@
             </a:ln>
             <a:extLst>
               <a:ext uri="{91240B29-F687-4f45-9708-019B960494DF}">
-                <a14:hiddenLine xmlns:a14="http://schemas.microsoft.com/office/drawing/2010/main" xmlns="" w="9525">
+                <a14:hiddenLine xmlns="" xmlns:a14="http://schemas.microsoft.com/office/drawing/2010/main" w="9525">
                   <a:solidFill>
                     <a:srgbClr val="000000"/>
                   </a:solidFill>
@@ -2148,7 +2233,7 @@
             </a:ln>
             <a:extLst>
               <a:ext uri="{91240B29-F687-4f45-9708-019B960494DF}">
-                <a14:hiddenLine xmlns:a14="http://schemas.microsoft.com/office/drawing/2010/main" xmlns="" w="9525">
+                <a14:hiddenLine xmlns="" xmlns:a14="http://schemas.microsoft.com/office/drawing/2010/main" w="9525">
                   <a:solidFill>
                     <a:srgbClr val="000000"/>
                   </a:solidFill>
@@ -2238,7 +2323,7 @@
             </a:ln>
             <a:extLst>
               <a:ext uri="{91240B29-F687-4f45-9708-019B960494DF}">
-                <a14:hiddenLine xmlns:a14="http://schemas.microsoft.com/office/drawing/2010/main" xmlns="" w="9525">
+                <a14:hiddenLine xmlns="" xmlns:a14="http://schemas.microsoft.com/office/drawing/2010/main" w="9525">
                   <a:solidFill>
                     <a:srgbClr val="000000"/>
                   </a:solidFill>
@@ -2294,7 +2379,7 @@
             </a:ln>
             <a:extLst>
               <a:ext uri="{91240B29-F687-4f45-9708-019B960494DF}">
-                <a14:hiddenLine xmlns:a14="http://schemas.microsoft.com/office/drawing/2010/main" xmlns="" w="9525">
+                <a14:hiddenLine xmlns="" xmlns:a14="http://schemas.microsoft.com/office/drawing/2010/main" w="9525">
                   <a:solidFill>
                     <a:srgbClr val="000000"/>
                   </a:solidFill>
@@ -2384,7 +2469,7 @@
             </a:ln>
             <a:extLst>
               <a:ext uri="{91240B29-F687-4f45-9708-019B960494DF}">
-                <a14:hiddenLine xmlns:a14="http://schemas.microsoft.com/office/drawing/2010/main" xmlns="" w="9525">
+                <a14:hiddenLine xmlns="" xmlns:a14="http://schemas.microsoft.com/office/drawing/2010/main" w="9525">
                   <a:solidFill>
                     <a:srgbClr val="000000"/>
                   </a:solidFill>
@@ -2440,7 +2525,7 @@
             </a:ln>
             <a:extLst>
               <a:ext uri="{91240B29-F687-4f45-9708-019B960494DF}">
-                <a14:hiddenLine xmlns:a14="http://schemas.microsoft.com/office/drawing/2010/main" xmlns="" w="9525">
+                <a14:hiddenLine xmlns="" xmlns:a14="http://schemas.microsoft.com/office/drawing/2010/main" w="9525">
                   <a:solidFill>
                     <a:srgbClr val="000000"/>
                   </a:solidFill>
@@ -2530,7 +2615,7 @@
             </a:ln>
             <a:extLst>
               <a:ext uri="{91240B29-F687-4f45-9708-019B960494DF}">
-                <a14:hiddenLine xmlns:a14="http://schemas.microsoft.com/office/drawing/2010/main" xmlns="" w="9525">
+                <a14:hiddenLine xmlns="" xmlns:a14="http://schemas.microsoft.com/office/drawing/2010/main" w="9525">
                   <a:solidFill>
                     <a:srgbClr val="000000"/>
                   </a:solidFill>
@@ -2598,7 +2683,7 @@
             </a:ln>
             <a:extLst>
               <a:ext uri="{91240B29-F687-4f45-9708-019B960494DF}">
-                <a14:hiddenLine xmlns:a14="http://schemas.microsoft.com/office/drawing/2010/main" xmlns="" w="9525">
+                <a14:hiddenLine xmlns="" xmlns:a14="http://schemas.microsoft.com/office/drawing/2010/main" w="9525">
                   <a:solidFill>
                     <a:srgbClr val="000000"/>
                   </a:solidFill>
@@ -2688,7 +2773,7 @@
             </a:ln>
             <a:extLst>
               <a:ext uri="{91240B29-F687-4f45-9708-019B960494DF}">
-                <a14:hiddenLine xmlns:a14="http://schemas.microsoft.com/office/drawing/2010/main" xmlns="" w="9525">
+                <a14:hiddenLine xmlns="" xmlns:a14="http://schemas.microsoft.com/office/drawing/2010/main" w="9525">
                   <a:solidFill>
                     <a:srgbClr val="000000"/>
                   </a:solidFill>
@@ -2756,7 +2841,7 @@
             </a:ln>
             <a:extLst>
               <a:ext uri="{91240B29-F687-4f45-9708-019B960494DF}">
-                <a14:hiddenLine xmlns:a14="http://schemas.microsoft.com/office/drawing/2010/main" xmlns="" w="9525">
+                <a14:hiddenLine xmlns="" xmlns:a14="http://schemas.microsoft.com/office/drawing/2010/main" w="9525">
                   <a:solidFill>
                     <a:srgbClr val="000000"/>
                   </a:solidFill>
@@ -2846,7 +2931,7 @@
             </a:ln>
             <a:extLst>
               <a:ext uri="{91240B29-F687-4f45-9708-019B960494DF}">
-                <a14:hiddenLine xmlns:a14="http://schemas.microsoft.com/office/drawing/2010/main" xmlns="" w="9525">
+                <a14:hiddenLine xmlns="" xmlns:a14="http://schemas.microsoft.com/office/drawing/2010/main" w="9525">
                   <a:solidFill>
                     <a:srgbClr val="000000"/>
                   </a:solidFill>
@@ -2880,7 +2965,7 @@
             </a:ln>
             <a:extLst>
               <a:ext uri="{91240B29-F687-4f45-9708-019B960494DF}">
-                <a14:hiddenLine xmlns:a14="http://schemas.microsoft.com/office/drawing/2010/main" xmlns="" w="9525">
+                <a14:hiddenLine xmlns="" xmlns:a14="http://schemas.microsoft.com/office/drawing/2010/main" w="9525">
                   <a:solidFill>
                     <a:srgbClr val="000000"/>
                   </a:solidFill>
@@ -2970,7 +3055,7 @@
             </a:ln>
             <a:extLst>
               <a:ext uri="{91240B29-F687-4f45-9708-019B960494DF}">
-                <a14:hiddenLine xmlns:a14="http://schemas.microsoft.com/office/drawing/2010/main" xmlns="" w="9525">
+                <a14:hiddenLine xmlns="" xmlns:a14="http://schemas.microsoft.com/office/drawing/2010/main" w="9525">
                   <a:solidFill>
                     <a:srgbClr val="000000"/>
                   </a:solidFill>
@@ -3032,7 +3117,7 @@
             </a:ln>
             <a:extLst>
               <a:ext uri="{91240B29-F687-4f45-9708-019B960494DF}">
-                <a14:hiddenLine xmlns:a14="http://schemas.microsoft.com/office/drawing/2010/main" xmlns="" w="9525">
+                <a14:hiddenLine xmlns="" xmlns:a14="http://schemas.microsoft.com/office/drawing/2010/main" w="9525">
                   <a:solidFill>
                     <a:srgbClr val="000000"/>
                   </a:solidFill>
@@ -3094,7 +3179,7 @@
             </a:ln>
             <a:extLst>
               <a:ext uri="{91240B29-F687-4f45-9708-019B960494DF}">
-                <a14:hiddenLine xmlns:a14="http://schemas.microsoft.com/office/drawing/2010/main" xmlns="" w="9525">
+                <a14:hiddenLine xmlns="" xmlns:a14="http://schemas.microsoft.com/office/drawing/2010/main" w="9525">
                   <a:solidFill>
                     <a:srgbClr val="000000"/>
                   </a:solidFill>
@@ -3184,7 +3269,7 @@
             </a:ln>
             <a:extLst>
               <a:ext uri="{91240B29-F687-4f45-9708-019B960494DF}">
-                <a14:hiddenLine xmlns:a14="http://schemas.microsoft.com/office/drawing/2010/main" xmlns="" w="9525">
+                <a14:hiddenLine xmlns="" xmlns:a14="http://schemas.microsoft.com/office/drawing/2010/main" w="9525">
                   <a:solidFill>
                     <a:srgbClr val="000000"/>
                   </a:solidFill>
@@ -3252,7 +3337,7 @@
             </a:ln>
             <a:extLst>
               <a:ext uri="{91240B29-F687-4f45-9708-019B960494DF}">
-                <a14:hiddenLine xmlns:a14="http://schemas.microsoft.com/office/drawing/2010/main" xmlns="" w="9525">
+                <a14:hiddenLine xmlns="" xmlns:a14="http://schemas.microsoft.com/office/drawing/2010/main" w="9525">
                   <a:solidFill>
                     <a:srgbClr val="000000"/>
                   </a:solidFill>
@@ -3314,7 +3399,7 @@
             </a:ln>
             <a:extLst>
               <a:ext uri="{91240B29-F687-4f45-9708-019B960494DF}">
-                <a14:hiddenLine xmlns:a14="http://schemas.microsoft.com/office/drawing/2010/main" xmlns="" w="9525">
+                <a14:hiddenLine xmlns="" xmlns:a14="http://schemas.microsoft.com/office/drawing/2010/main" w="9525">
                   <a:solidFill>
                     <a:srgbClr val="000000"/>
                   </a:solidFill>
@@ -3404,7 +3489,7 @@
             </a:ln>
             <a:extLst>
               <a:ext uri="{91240B29-F687-4f45-9708-019B960494DF}">
-                <a14:hiddenLine xmlns:a14="http://schemas.microsoft.com/office/drawing/2010/main" xmlns="" w="9525">
+                <a14:hiddenLine xmlns="" xmlns:a14="http://schemas.microsoft.com/office/drawing/2010/main" w="9525">
                   <a:solidFill>
                     <a:srgbClr val="000000"/>
                   </a:solidFill>
@@ -3466,7 +3551,7 @@
             </a:ln>
             <a:extLst>
               <a:ext uri="{91240B29-F687-4f45-9708-019B960494DF}">
-                <a14:hiddenLine xmlns:a14="http://schemas.microsoft.com/office/drawing/2010/main" xmlns="" w="9525">
+                <a14:hiddenLine xmlns="" xmlns:a14="http://schemas.microsoft.com/office/drawing/2010/main" w="9525">
                   <a:solidFill>
                     <a:srgbClr val="000000"/>
                   </a:solidFill>
@@ -3556,7 +3641,7 @@
             </a:ln>
             <a:extLst>
               <a:ext uri="{91240B29-F687-4f45-9708-019B960494DF}">
-                <a14:hiddenLine xmlns:a14="http://schemas.microsoft.com/office/drawing/2010/main" xmlns="" w="9525">
+                <a14:hiddenLine xmlns="" xmlns:a14="http://schemas.microsoft.com/office/drawing/2010/main" w="9525">
                   <a:solidFill>
                     <a:srgbClr val="000000"/>
                   </a:solidFill>
@@ -3618,7 +3703,7 @@
             </a:ln>
             <a:extLst>
               <a:ext uri="{91240B29-F687-4f45-9708-019B960494DF}">
-                <a14:hiddenLine xmlns:a14="http://schemas.microsoft.com/office/drawing/2010/main" xmlns="" w="9525">
+                <a14:hiddenLine xmlns="" xmlns:a14="http://schemas.microsoft.com/office/drawing/2010/main" w="9525">
                   <a:solidFill>
                     <a:srgbClr val="000000"/>
                   </a:solidFill>
@@ -3708,7 +3793,7 @@
             </a:ln>
             <a:extLst>
               <a:ext uri="{91240B29-F687-4f45-9708-019B960494DF}">
-                <a14:hiddenLine xmlns:a14="http://schemas.microsoft.com/office/drawing/2010/main" xmlns="" w="9525">
+                <a14:hiddenLine xmlns="" xmlns:a14="http://schemas.microsoft.com/office/drawing/2010/main" w="9525">
                   <a:solidFill>
                     <a:srgbClr val="000000"/>
                   </a:solidFill>
@@ -3742,7 +3827,7 @@
             </a:ln>
             <a:extLst>
               <a:ext uri="{91240B29-F687-4f45-9708-019B960494DF}">
-                <a14:hiddenLine xmlns:a14="http://schemas.microsoft.com/office/drawing/2010/main" xmlns="" w="9525">
+                <a14:hiddenLine xmlns="" xmlns:a14="http://schemas.microsoft.com/office/drawing/2010/main" w="9525">
                   <a:solidFill>
                     <a:srgbClr val="000000"/>
                   </a:solidFill>
@@ -3807,7 +3892,7 @@
             </a:ln>
             <a:extLst>
               <a:ext uri="{91240B29-F687-4f45-9708-019B960494DF}">
-                <a14:hiddenLine xmlns:a14="http://schemas.microsoft.com/office/drawing/2010/main" xmlns="" w="9525">
+                <a14:hiddenLine xmlns="" xmlns:a14="http://schemas.microsoft.com/office/drawing/2010/main" w="9525">
                   <a:solidFill>
                     <a:srgbClr val="000000"/>
                   </a:solidFill>
@@ -3897,7 +3982,7 @@
             </a:ln>
             <a:extLst>
               <a:ext uri="{91240B29-F687-4f45-9708-019B960494DF}">
-                <a14:hiddenLine xmlns:a14="http://schemas.microsoft.com/office/drawing/2010/main" xmlns="" w="9525">
+                <a14:hiddenLine xmlns="" xmlns:a14="http://schemas.microsoft.com/office/drawing/2010/main" w="9525">
                   <a:solidFill>
                     <a:srgbClr val="000000"/>
                   </a:solidFill>
@@ -3959,7 +4044,7 @@
             </a:ln>
             <a:extLst>
               <a:ext uri="{91240B29-F687-4f45-9708-019B960494DF}">
-                <a14:hiddenLine xmlns:a14="http://schemas.microsoft.com/office/drawing/2010/main" xmlns="" w="9525">
+                <a14:hiddenLine xmlns="" xmlns:a14="http://schemas.microsoft.com/office/drawing/2010/main" w="9525">
                   <a:solidFill>
                     <a:srgbClr val="000000"/>
                   </a:solidFill>
@@ -4049,7 +4134,7 @@
             </a:ln>
             <a:extLst>
               <a:ext uri="{91240B29-F687-4f45-9708-019B960494DF}">
-                <a14:hiddenLine xmlns:a14="http://schemas.microsoft.com/office/drawing/2010/main" xmlns="" w="9525">
+                <a14:hiddenLine xmlns="" xmlns:a14="http://schemas.microsoft.com/office/drawing/2010/main" w="9525">
                   <a:solidFill>
                     <a:srgbClr val="000000"/>
                   </a:solidFill>
@@ -4139,7 +4224,7 @@
             </a:ln>
             <a:extLst>
               <a:ext uri="{91240B29-F687-4f45-9708-019B960494DF}">
-                <a14:hiddenLine xmlns:a14="http://schemas.microsoft.com/office/drawing/2010/main" xmlns="" w="9525">
+                <a14:hiddenLine xmlns="" xmlns:a14="http://schemas.microsoft.com/office/drawing/2010/main" w="9525">
                   <a:solidFill>
                     <a:srgbClr val="000000"/>
                   </a:solidFill>
@@ -4204,7 +4289,7 @@
             </a:ln>
             <a:extLst>
               <a:ext uri="{91240B29-F687-4f45-9708-019B960494DF}">
-                <a14:hiddenLine xmlns:a14="http://schemas.microsoft.com/office/drawing/2010/main" xmlns="" w="9525">
+                <a14:hiddenLine xmlns="" xmlns:a14="http://schemas.microsoft.com/office/drawing/2010/main" w="9525">
                   <a:solidFill>
                     <a:srgbClr val="000000"/>
                   </a:solidFill>
@@ -4266,7 +4351,7 @@
             </a:ln>
             <a:extLst>
               <a:ext uri="{91240B29-F687-4f45-9708-019B960494DF}">
-                <a14:hiddenLine xmlns:a14="http://schemas.microsoft.com/office/drawing/2010/main" xmlns="" w="9525">
+                <a14:hiddenLine xmlns="" xmlns:a14="http://schemas.microsoft.com/office/drawing/2010/main" w="9525">
                   <a:solidFill>
                     <a:srgbClr val="000000"/>
                   </a:solidFill>
@@ -4356,7 +4441,7 @@
             </a:ln>
             <a:extLst>
               <a:ext uri="{91240B29-F687-4f45-9708-019B960494DF}">
-                <a14:hiddenLine xmlns:a14="http://schemas.microsoft.com/office/drawing/2010/main" xmlns="" w="9525">
+                <a14:hiddenLine xmlns="" xmlns:a14="http://schemas.microsoft.com/office/drawing/2010/main" w="9525">
                   <a:solidFill>
                     <a:srgbClr val="000000"/>
                   </a:solidFill>
@@ -4446,7 +4531,7 @@
             </a:ln>
             <a:extLst>
               <a:ext uri="{91240B29-F687-4f45-9708-019B960494DF}">
-                <a14:hiddenLine xmlns:a14="http://schemas.microsoft.com/office/drawing/2010/main" xmlns="" w="9525">
+                <a14:hiddenLine xmlns="" xmlns:a14="http://schemas.microsoft.com/office/drawing/2010/main" w="9525">
                   <a:solidFill>
                     <a:srgbClr val="000000"/>
                   </a:solidFill>
@@ -4508,7 +4593,7 @@
             </a:ln>
             <a:extLst>
               <a:ext uri="{91240B29-F687-4f45-9708-019B960494DF}">
-                <a14:hiddenLine xmlns:a14="http://schemas.microsoft.com/office/drawing/2010/main" xmlns="" w="9525">
+                <a14:hiddenLine xmlns="" xmlns:a14="http://schemas.microsoft.com/office/drawing/2010/main" w="9525">
                   <a:solidFill>
                     <a:srgbClr val="000000"/>
                   </a:solidFill>
@@ -4628,7 +4713,7 @@
             </a:ln>
             <a:extLst>
               <a:ext uri="{91240B29-F687-4f45-9708-019B960494DF}">
-                <a14:hiddenLine xmlns:a14="http://schemas.microsoft.com/office/drawing/2010/main" xmlns="" w="9525">
+                <a14:hiddenLine xmlns="" xmlns:a14="http://schemas.microsoft.com/office/drawing/2010/main" w="9525">
                   <a:solidFill>
                     <a:srgbClr val="000000"/>
                   </a:solidFill>
@@ -4696,7 +4781,7 @@
             </a:ln>
             <a:extLst>
               <a:ext uri="{91240B29-F687-4f45-9708-019B960494DF}">
-                <a14:hiddenLine xmlns:a14="http://schemas.microsoft.com/office/drawing/2010/main" xmlns="" w="9525">
+                <a14:hiddenLine xmlns="" xmlns:a14="http://schemas.microsoft.com/office/drawing/2010/main" w="9525">
                   <a:solidFill>
                     <a:srgbClr val="000000"/>
                   </a:solidFill>
@@ -4786,7 +4871,7 @@
             </a:ln>
             <a:extLst>
               <a:ext uri="{91240B29-F687-4f45-9708-019B960494DF}">
-                <a14:hiddenLine xmlns:a14="http://schemas.microsoft.com/office/drawing/2010/main" xmlns="" w="9525">
+                <a14:hiddenLine xmlns="" xmlns:a14="http://schemas.microsoft.com/office/drawing/2010/main" w="9525">
                   <a:solidFill>
                     <a:srgbClr val="000000"/>
                   </a:solidFill>
@@ -9593,7 +9678,7 @@
           <a:noFill/>
           <a:extLst>
             <a:ext uri="{909E8E84-426E-40dd-AFC4-6F175D3DCCD1}">
-              <a14:hiddenFill xmlns:a14="http://schemas.microsoft.com/office/drawing/2010/main" xmlns="">
+              <a14:hiddenFill xmlns="" xmlns:a14="http://schemas.microsoft.com/office/drawing/2010/main">
                 <a:solidFill>
                   <a:srgbClr val="FFFFFF"/>
                 </a:solidFill>
@@ -9667,7 +9752,7 @@
               </a:ln>
               <a:extLst>
                 <a:ext uri="{91240B29-F687-4f45-9708-019B960494DF}">
-                  <a14:hiddenLine xmlns:a14="http://schemas.microsoft.com/office/drawing/2010/main" xmlns="" w="9525">
+                  <a14:hiddenLine xmlns="" xmlns:a14="http://schemas.microsoft.com/office/drawing/2010/main" w="9525">
                     <a:solidFill>
                       <a:srgbClr val="000000"/>
                     </a:solidFill>
@@ -9757,7 +9842,7 @@
               </a:ln>
               <a:extLst>
                 <a:ext uri="{91240B29-F687-4f45-9708-019B960494DF}">
-                  <a14:hiddenLine xmlns:a14="http://schemas.microsoft.com/office/drawing/2010/main" xmlns="" w="9525">
+                  <a14:hiddenLine xmlns="" xmlns:a14="http://schemas.microsoft.com/office/drawing/2010/main" w="9525">
                     <a:solidFill>
                       <a:srgbClr val="000000"/>
                     </a:solidFill>
@@ -9847,7 +9932,7 @@
               </a:ln>
               <a:extLst>
                 <a:ext uri="{91240B29-F687-4f45-9708-019B960494DF}">
-                  <a14:hiddenLine xmlns:a14="http://schemas.microsoft.com/office/drawing/2010/main" xmlns="" w="9525">
+                  <a14:hiddenLine xmlns="" xmlns:a14="http://schemas.microsoft.com/office/drawing/2010/main" w="9525">
                     <a:solidFill>
                       <a:srgbClr val="000000"/>
                     </a:solidFill>
@@ -9909,7 +9994,7 @@
               </a:ln>
               <a:extLst>
                 <a:ext uri="{91240B29-F687-4f45-9708-019B960494DF}">
-                  <a14:hiddenLine xmlns:a14="http://schemas.microsoft.com/office/drawing/2010/main" xmlns="" w="9525">
+                  <a14:hiddenLine xmlns="" xmlns:a14="http://schemas.microsoft.com/office/drawing/2010/main" w="9525">
                     <a:solidFill>
                       <a:srgbClr val="000000"/>
                     </a:solidFill>
@@ -9999,7 +10084,7 @@
               </a:ln>
               <a:extLst>
                 <a:ext uri="{91240B29-F687-4f45-9708-019B960494DF}">
-                  <a14:hiddenLine xmlns:a14="http://schemas.microsoft.com/office/drawing/2010/main" xmlns="" w="9525">
+                  <a14:hiddenLine xmlns="" xmlns:a14="http://schemas.microsoft.com/office/drawing/2010/main" w="9525">
                     <a:solidFill>
                       <a:srgbClr val="000000"/>
                     </a:solidFill>
@@ -10061,7 +10146,7 @@
               </a:ln>
               <a:extLst>
                 <a:ext uri="{91240B29-F687-4f45-9708-019B960494DF}">
-                  <a14:hiddenLine xmlns:a14="http://schemas.microsoft.com/office/drawing/2010/main" xmlns="" w="9525">
+                  <a14:hiddenLine xmlns="" xmlns:a14="http://schemas.microsoft.com/office/drawing/2010/main" w="9525">
                     <a:solidFill>
                       <a:srgbClr val="000000"/>
                     </a:solidFill>
@@ -10123,7 +10208,7 @@
               </a:ln>
               <a:extLst>
                 <a:ext uri="{91240B29-F687-4f45-9708-019B960494DF}">
-                  <a14:hiddenLine xmlns:a14="http://schemas.microsoft.com/office/drawing/2010/main" xmlns="" w="9525">
+                  <a14:hiddenLine xmlns="" xmlns:a14="http://schemas.microsoft.com/office/drawing/2010/main" w="9525">
                     <a:solidFill>
                       <a:srgbClr val="000000"/>
                     </a:solidFill>
@@ -10213,7 +10298,7 @@
               </a:ln>
               <a:extLst>
                 <a:ext uri="{91240B29-F687-4f45-9708-019B960494DF}">
-                  <a14:hiddenLine xmlns:a14="http://schemas.microsoft.com/office/drawing/2010/main" xmlns="" w="9525">
+                  <a14:hiddenLine xmlns="" xmlns:a14="http://schemas.microsoft.com/office/drawing/2010/main" w="9525">
                     <a:solidFill>
                       <a:srgbClr val="000000"/>
                     </a:solidFill>
@@ -10303,7 +10388,7 @@
               </a:ln>
               <a:extLst>
                 <a:ext uri="{91240B29-F687-4f45-9708-019B960494DF}">
-                  <a14:hiddenLine xmlns:a14="http://schemas.microsoft.com/office/drawing/2010/main" xmlns="" w="9525">
+                  <a14:hiddenLine xmlns="" xmlns:a14="http://schemas.microsoft.com/office/drawing/2010/main" w="9525">
                     <a:solidFill>
                       <a:srgbClr val="000000"/>
                     </a:solidFill>
@@ -10365,7 +10450,7 @@
               </a:ln>
               <a:extLst>
                 <a:ext uri="{91240B29-F687-4f45-9708-019B960494DF}">
-                  <a14:hiddenLine xmlns:a14="http://schemas.microsoft.com/office/drawing/2010/main" xmlns="" w="9525">
+                  <a14:hiddenLine xmlns="" xmlns:a14="http://schemas.microsoft.com/office/drawing/2010/main" w="9525">
                     <a:solidFill>
                       <a:srgbClr val="000000"/>
                     </a:solidFill>
@@ -10475,7 +10560,7 @@
               </a:ln>
               <a:extLst>
                 <a:ext uri="{91240B29-F687-4f45-9708-019B960494DF}">
-                  <a14:hiddenLine xmlns:a14="http://schemas.microsoft.com/office/drawing/2010/main" xmlns="" w="9525">
+                  <a14:hiddenLine xmlns="" xmlns:a14="http://schemas.microsoft.com/office/drawing/2010/main" w="9525">
                     <a:solidFill>
                       <a:srgbClr val="000000"/>
                     </a:solidFill>
@@ -10559,7 +10644,7 @@
               </a:ln>
               <a:extLst>
                 <a:ext uri="{91240B29-F687-4f45-9708-019B960494DF}">
-                  <a14:hiddenLine xmlns:a14="http://schemas.microsoft.com/office/drawing/2010/main" xmlns="" w="9525">
+                  <a14:hiddenLine xmlns="" xmlns:a14="http://schemas.microsoft.com/office/drawing/2010/main" w="9525">
                     <a:solidFill>
                       <a:srgbClr val="000000"/>
                     </a:solidFill>
@@ -10621,7 +10706,7 @@
               </a:ln>
               <a:extLst>
                 <a:ext uri="{91240B29-F687-4f45-9708-019B960494DF}">
-                  <a14:hiddenLine xmlns:a14="http://schemas.microsoft.com/office/drawing/2010/main" xmlns="" w="9525">
+                  <a14:hiddenLine xmlns="" xmlns:a14="http://schemas.microsoft.com/office/drawing/2010/main" w="9525">
                     <a:solidFill>
                       <a:srgbClr val="000000"/>
                     </a:solidFill>
@@ -10683,7 +10768,7 @@
               </a:ln>
               <a:extLst>
                 <a:ext uri="{91240B29-F687-4f45-9708-019B960494DF}">
-                  <a14:hiddenLine xmlns:a14="http://schemas.microsoft.com/office/drawing/2010/main" xmlns="" w="9525">
+                  <a14:hiddenLine xmlns="" xmlns:a14="http://schemas.microsoft.com/office/drawing/2010/main" w="9525">
                     <a:solidFill>
                       <a:srgbClr val="000000"/>
                     </a:solidFill>
@@ -10773,7 +10858,7 @@
               </a:ln>
               <a:extLst>
                 <a:ext uri="{91240B29-F687-4f45-9708-019B960494DF}">
-                  <a14:hiddenLine xmlns:a14="http://schemas.microsoft.com/office/drawing/2010/main" xmlns="" w="9525">
+                  <a14:hiddenLine xmlns="" xmlns:a14="http://schemas.microsoft.com/office/drawing/2010/main" w="9525">
                     <a:solidFill>
                       <a:srgbClr val="000000"/>
                     </a:solidFill>
@@ -10807,7 +10892,7 @@
               </a:ln>
               <a:extLst>
                 <a:ext uri="{91240B29-F687-4f45-9708-019B960494DF}">
-                  <a14:hiddenLine xmlns:a14="http://schemas.microsoft.com/office/drawing/2010/main" xmlns="" w="9525">
+                  <a14:hiddenLine xmlns="" xmlns:a14="http://schemas.microsoft.com/office/drawing/2010/main" w="9525">
                     <a:solidFill>
                       <a:srgbClr val="000000"/>
                     </a:solidFill>
@@ -10872,7 +10957,7 @@
               </a:ln>
               <a:extLst>
                 <a:ext uri="{91240B29-F687-4f45-9708-019B960494DF}">
-                  <a14:hiddenLine xmlns:a14="http://schemas.microsoft.com/office/drawing/2010/main" xmlns="" w="9525">
+                  <a14:hiddenLine xmlns="" xmlns:a14="http://schemas.microsoft.com/office/drawing/2010/main" w="9525">
                     <a:solidFill>
                       <a:srgbClr val="000000"/>
                     </a:solidFill>
@@ -10962,7 +11047,7 @@
               </a:ln>
               <a:extLst>
                 <a:ext uri="{91240B29-F687-4f45-9708-019B960494DF}">
-                  <a14:hiddenLine xmlns:a14="http://schemas.microsoft.com/office/drawing/2010/main" xmlns="" w="9525">
+                  <a14:hiddenLine xmlns="" xmlns:a14="http://schemas.microsoft.com/office/drawing/2010/main" w="9525">
                     <a:solidFill>
                       <a:srgbClr val="000000"/>
                     </a:solidFill>
@@ -11024,7 +11109,7 @@
               </a:ln>
               <a:extLst>
                 <a:ext uri="{91240B29-F687-4f45-9708-019B960494DF}">
-                  <a14:hiddenLine xmlns:a14="http://schemas.microsoft.com/office/drawing/2010/main" xmlns="" w="9525">
+                  <a14:hiddenLine xmlns="" xmlns:a14="http://schemas.microsoft.com/office/drawing/2010/main" w="9525">
                     <a:solidFill>
                       <a:srgbClr val="000000"/>
                     </a:solidFill>
@@ -11114,7 +11199,7 @@
               </a:ln>
               <a:extLst>
                 <a:ext uri="{91240B29-F687-4f45-9708-019B960494DF}">
-                  <a14:hiddenLine xmlns:a14="http://schemas.microsoft.com/office/drawing/2010/main" xmlns="" w="9525">
+                  <a14:hiddenLine xmlns="" xmlns:a14="http://schemas.microsoft.com/office/drawing/2010/main" w="9525">
                     <a:solidFill>
                       <a:srgbClr val="000000"/>
                     </a:solidFill>
@@ -11179,7 +11264,7 @@
               </a:ln>
               <a:extLst>
                 <a:ext uri="{91240B29-F687-4f45-9708-019B960494DF}">
-                  <a14:hiddenLine xmlns:a14="http://schemas.microsoft.com/office/drawing/2010/main" xmlns="" w="9525">
+                  <a14:hiddenLine xmlns="" xmlns:a14="http://schemas.microsoft.com/office/drawing/2010/main" w="9525">
                     <a:solidFill>
                       <a:srgbClr val="000000"/>
                     </a:solidFill>
@@ -11241,7 +11326,7 @@
               </a:ln>
               <a:extLst>
                 <a:ext uri="{91240B29-F687-4f45-9708-019B960494DF}">
-                  <a14:hiddenLine xmlns:a14="http://schemas.microsoft.com/office/drawing/2010/main" xmlns="" w="9525">
+                  <a14:hiddenLine xmlns="" xmlns:a14="http://schemas.microsoft.com/office/drawing/2010/main" w="9525">
                     <a:solidFill>
                       <a:srgbClr val="000000"/>
                     </a:solidFill>
@@ -11331,7 +11416,7 @@
               </a:ln>
               <a:extLst>
                 <a:ext uri="{91240B29-F687-4f45-9708-019B960494DF}">
-                  <a14:hiddenLine xmlns:a14="http://schemas.microsoft.com/office/drawing/2010/main" xmlns="" w="9525">
+                  <a14:hiddenLine xmlns="" xmlns:a14="http://schemas.microsoft.com/office/drawing/2010/main" w="9525">
                     <a:solidFill>
                       <a:srgbClr val="000000"/>
                     </a:solidFill>
@@ -11421,7 +11506,7 @@
               </a:ln>
               <a:extLst>
                 <a:ext uri="{91240B29-F687-4f45-9708-019B960494DF}">
-                  <a14:hiddenLine xmlns:a14="http://schemas.microsoft.com/office/drawing/2010/main" xmlns="" w="9525">
+                  <a14:hiddenLine xmlns="" xmlns:a14="http://schemas.microsoft.com/office/drawing/2010/main" w="9525">
                     <a:solidFill>
                       <a:srgbClr val="000000"/>
                     </a:solidFill>
@@ -11486,7 +11571,7 @@
               </a:ln>
               <a:extLst>
                 <a:ext uri="{91240B29-F687-4f45-9708-019B960494DF}">
-                  <a14:hiddenLine xmlns:a14="http://schemas.microsoft.com/office/drawing/2010/main" xmlns="" w="9525">
+                  <a14:hiddenLine xmlns="" xmlns:a14="http://schemas.microsoft.com/office/drawing/2010/main" w="9525">
                     <a:solidFill>
                       <a:srgbClr val="000000"/>
                     </a:solidFill>
@@ -11606,7 +11691,7 @@
               </a:ln>
               <a:extLst>
                 <a:ext uri="{91240B29-F687-4f45-9708-019B960494DF}">
-                  <a14:hiddenLine xmlns:a14="http://schemas.microsoft.com/office/drawing/2010/main" xmlns="" w="9525">
+                  <a14:hiddenLine xmlns="" xmlns:a14="http://schemas.microsoft.com/office/drawing/2010/main" w="9525">
                     <a:solidFill>
                       <a:srgbClr val="000000"/>
                     </a:solidFill>
@@ -11704,7 +11789,7 @@
               </a:ln>
               <a:extLst>
                 <a:ext uri="{91240B29-F687-4f45-9708-019B960494DF}">
-                  <a14:hiddenLine xmlns:a14="http://schemas.microsoft.com/office/drawing/2010/main" xmlns="" w="9525">
+                  <a14:hiddenLine xmlns="" xmlns:a14="http://schemas.microsoft.com/office/drawing/2010/main" w="9525">
                     <a:solidFill>
                       <a:srgbClr val="000000"/>
                     </a:solidFill>
@@ -11819,7 +11904,7 @@
               </a:ln>
               <a:extLst>
                 <a:ext uri="{91240B29-F687-4f45-9708-019B960494DF}">
-                  <a14:hiddenLine xmlns:a14="http://schemas.microsoft.com/office/drawing/2010/main" xmlns="" w="9525">
+                  <a14:hiddenLine xmlns="" xmlns:a14="http://schemas.microsoft.com/office/drawing/2010/main" w="9525">
                     <a:solidFill>
                       <a:srgbClr val="000000"/>
                     </a:solidFill>
@@ -11909,7 +11994,7 @@
               </a:ln>
               <a:extLst>
                 <a:ext uri="{91240B29-F687-4f45-9708-019B960494DF}">
-                  <a14:hiddenLine xmlns:a14="http://schemas.microsoft.com/office/drawing/2010/main" xmlns="" w="9525">
+                  <a14:hiddenLine xmlns="" xmlns:a14="http://schemas.microsoft.com/office/drawing/2010/main" w="9525">
                     <a:solidFill>
                       <a:srgbClr val="000000"/>
                     </a:solidFill>
@@ -11974,7 +12059,7 @@
               </a:ln>
               <a:extLst>
                 <a:ext uri="{91240B29-F687-4f45-9708-019B960494DF}">
-                  <a14:hiddenLine xmlns:a14="http://schemas.microsoft.com/office/drawing/2010/main" xmlns="" w="9525">
+                  <a14:hiddenLine xmlns="" xmlns:a14="http://schemas.microsoft.com/office/drawing/2010/main" w="9525">
                     <a:solidFill>
                       <a:srgbClr val="000000"/>
                     </a:solidFill>
@@ -12064,7 +12149,7 @@
               </a:ln>
               <a:extLst>
                 <a:ext uri="{91240B29-F687-4f45-9708-019B960494DF}">
-                  <a14:hiddenLine xmlns:a14="http://schemas.microsoft.com/office/drawing/2010/main" xmlns="" w="9525">
+                  <a14:hiddenLine xmlns="" xmlns:a14="http://schemas.microsoft.com/office/drawing/2010/main" w="9525">
                     <a:solidFill>
                       <a:srgbClr val="000000"/>
                     </a:solidFill>
@@ -12132,7 +12217,7 @@
               </a:ln>
               <a:extLst>
                 <a:ext uri="{91240B29-F687-4f45-9708-019B960494DF}">
-                  <a14:hiddenLine xmlns:a14="http://schemas.microsoft.com/office/drawing/2010/main" xmlns="" w="9525">
+                  <a14:hiddenLine xmlns="" xmlns:a14="http://schemas.microsoft.com/office/drawing/2010/main" w="9525">
                     <a:solidFill>
                       <a:srgbClr val="000000"/>
                     </a:solidFill>
@@ -12222,7 +12307,7 @@
               </a:ln>
               <a:extLst>
                 <a:ext uri="{91240B29-F687-4f45-9708-019B960494DF}">
-                  <a14:hiddenLine xmlns:a14="http://schemas.microsoft.com/office/drawing/2010/main" xmlns="" w="9525">
+                  <a14:hiddenLine xmlns="" xmlns:a14="http://schemas.microsoft.com/office/drawing/2010/main" w="9525">
                     <a:solidFill>
                       <a:srgbClr val="000000"/>
                     </a:solidFill>
@@ -12290,7 +12375,7 @@
               </a:ln>
               <a:extLst>
                 <a:ext uri="{91240B29-F687-4f45-9708-019B960494DF}">
-                  <a14:hiddenLine xmlns:a14="http://schemas.microsoft.com/office/drawing/2010/main" xmlns="" w="9525">
+                  <a14:hiddenLine xmlns="" xmlns:a14="http://schemas.microsoft.com/office/drawing/2010/main" w="9525">
                     <a:solidFill>
                       <a:srgbClr val="000000"/>
                     </a:solidFill>
@@ -12380,7 +12465,7 @@
               </a:ln>
               <a:extLst>
                 <a:ext uri="{91240B29-F687-4f45-9708-019B960494DF}">
-                  <a14:hiddenLine xmlns:a14="http://schemas.microsoft.com/office/drawing/2010/main" xmlns="" w="9525">
+                  <a14:hiddenLine xmlns="" xmlns:a14="http://schemas.microsoft.com/office/drawing/2010/main" w="9525">
                     <a:solidFill>
                       <a:srgbClr val="000000"/>
                     </a:solidFill>
@@ -12414,7 +12499,7 @@
               </a:ln>
               <a:extLst>
                 <a:ext uri="{91240B29-F687-4f45-9708-019B960494DF}">
-                  <a14:hiddenLine xmlns:a14="http://schemas.microsoft.com/office/drawing/2010/main" xmlns="" w="9525">
+                  <a14:hiddenLine xmlns="" xmlns:a14="http://schemas.microsoft.com/office/drawing/2010/main" w="9525">
                     <a:solidFill>
                       <a:srgbClr val="000000"/>
                     </a:solidFill>
@@ -14871,8 +14956,8 @@
         </p:nvSpPr>
         <p:spPr>
           <a:xfrm>
-            <a:off x="1141412" y="1111046"/>
-            <a:ext cx="9905999" cy="1907457"/>
+            <a:off x="1141413" y="1111046"/>
+            <a:ext cx="9821555" cy="3077496"/>
           </a:xfrm>
         </p:spPr>
         <p:txBody>
@@ -14885,28 +14970,77 @@
               <a:buNone/>
             </a:pPr>
             <a:r>
+              <a:rPr lang="en-IN" sz="1800" dirty="0"/>
+              <a:t> </a:t>
+            </a:r>
+          </a:p>
+        </p:txBody>
+      </p:sp>
+      <p:pic>
+        <p:nvPicPr>
+          <p:cNvPr id="5" name="Picture 4">
+            <a:extLst>
+              <a:ext uri="{FF2B5EF4-FFF2-40B4-BE49-F238E27FC236}">
+                <a16:creationId xmlns:a16="http://schemas.microsoft.com/office/drawing/2014/main" id="{FB2C2EB1-2138-4FC2-D66B-5A88922B3D79}"/>
+              </a:ext>
+            </a:extLst>
+          </p:cNvPr>
+          <p:cNvPicPr>
+            <a:picLocks noChangeAspect="1"/>
+          </p:cNvPicPr>
+          <p:nvPr/>
+        </p:nvPicPr>
+        <p:blipFill>
+          <a:blip r:embed="rId3"/>
+          <a:stretch>
+            <a:fillRect/>
+          </a:stretch>
+        </p:blipFill>
+        <p:spPr>
+          <a:xfrm>
+            <a:off x="2317975" y="1111046"/>
+            <a:ext cx="7750257" cy="4752021"/>
+          </a:xfrm>
+          <a:prstGeom prst="rect">
+            <a:avLst/>
+          </a:prstGeom>
+        </p:spPr>
+      </p:pic>
+      <p:sp>
+        <p:nvSpPr>
+          <p:cNvPr id="6" name="TextBox 5">
+            <a:extLst>
+              <a:ext uri="{FF2B5EF4-FFF2-40B4-BE49-F238E27FC236}">
+                <a16:creationId xmlns:a16="http://schemas.microsoft.com/office/drawing/2014/main" id="{E541F242-7FD5-8F00-9D6E-A058DF57F651}"/>
+              </a:ext>
+            </a:extLst>
+          </p:cNvPr>
+          <p:cNvSpPr txBox="1"/>
+          <p:nvPr/>
+        </p:nvSpPr>
+        <p:spPr>
+          <a:xfrm>
+            <a:off x="1337188" y="6004231"/>
+            <a:ext cx="10353368" cy="646331"/>
+          </a:xfrm>
+          <a:prstGeom prst="rect">
+            <a:avLst/>
+          </a:prstGeom>
+          <a:noFill/>
+        </p:spPr>
+        <p:txBody>
+          <a:bodyPr wrap="square" rtlCol="0">
+            <a:spAutoFit/>
+          </a:bodyPr>
+          <a:lstStyle/>
+          <a:p>
+            <a:r>
               <a:rPr lang="en-US" sz="1800" dirty="0"/>
-              <a:t>Tech Stack used:</a:t>
-            </a:r>
-          </a:p>
-          <a:p>
-            <a:r>
-              <a:rPr lang="en-US" sz="1800" dirty="0"/>
-              <a:t>Front end: HTML, CSS, JavaScript</a:t>
-            </a:r>
-          </a:p>
-          <a:p>
-            <a:r>
-              <a:rPr lang="en-US" sz="1800" dirty="0"/>
-              <a:t>Framework: Django (Python)</a:t>
-            </a:r>
-          </a:p>
-          <a:p>
-            <a:r>
-              <a:rPr lang="en-US" sz="1800" dirty="0"/>
-              <a:t>Back end: DBSQLite</a:t>
-            </a:r>
-            <a:endParaRPr lang="en-IN" sz="1800" dirty="0"/>
+              <a:t>- Front end: HTML, CSS, JavaScript			- Framework: Django (Python)			- Back end: DB SQLite</a:t>
+            </a:r>
+          </a:p>
+          <a:p>
+            <a:endParaRPr lang="en-IN" dirty="0"/>
           </a:p>
         </p:txBody>
       </p:sp>
@@ -15017,57 +15151,18 @@
             </a:r>
           </a:p>
           <a:p>
-            <a:r>
-              <a:rPr kumimoji="0" lang="en-US" altLang="en-US" sz="2000" b="1" i="0" u="none" strike="noStrike" cap="none" normalizeH="0" baseline="0" dirty="0">
-                <a:ln>
-                  <a:noFill/>
-                </a:ln>
-                <a:solidFill>
-                  <a:schemeClr val="tx1"/>
-                </a:solidFill>
-                <a:effectLst/>
-              </a:rPr>
-              <a:t>Coverage.py</a:t>
-            </a:r>
-            <a:r>
-              <a:rPr kumimoji="0" lang="en-US" altLang="en-US" sz="2000" b="0" i="0" u="none" strike="noStrike" cap="none" normalizeH="0" baseline="0" dirty="0">
-                <a:ln>
-                  <a:noFill/>
-                </a:ln>
-                <a:solidFill>
-                  <a:schemeClr val="tx1"/>
-                </a:solidFill>
-                <a:effectLst/>
-              </a:rPr>
-              <a:t>: This tool measures code coverage in tests, showing how much of your code is tested. It integrates well with both Django's test framework and </a:t>
-            </a:r>
-            <a:r>
-              <a:rPr kumimoji="0" lang="en-US" altLang="en-US" sz="2000" b="0" i="0" u="none" strike="noStrike" cap="none" normalizeH="0" baseline="0" dirty="0" err="1">
-                <a:ln>
-                  <a:noFill/>
-                </a:ln>
-                <a:solidFill>
-                  <a:schemeClr val="tx1"/>
-                </a:solidFill>
-                <a:effectLst/>
-              </a:rPr>
-              <a:t>pytest</a:t>
-            </a:r>
-            <a:r>
-              <a:rPr kumimoji="0" lang="en-US" altLang="en-US" sz="2000" b="0" i="0" u="none" strike="noStrike" cap="none" normalizeH="0" baseline="0" dirty="0">
-                <a:ln>
-                  <a:noFill/>
-                </a:ln>
-                <a:solidFill>
-                  <a:schemeClr val="tx1"/>
-                </a:solidFill>
-                <a:effectLst/>
-              </a:rPr>
-              <a:t>.</a:t>
-            </a:r>
-          </a:p>
-          <a:p>
-            <a:endParaRPr lang="en-US" dirty="0"/>
+            <a:pPr lvl="1"/>
+            <a:r>
+              <a:rPr lang="en-US" dirty="0"/>
+              <a:t>Provides usage of “fixtures”, which are reusable components for setting up test data and environments, help create mock data for your database, reducing code repetition.</a:t>
+            </a:r>
+          </a:p>
+          <a:p>
+            <a:pPr lvl="1"/>
+            <a:r>
+              <a:rPr lang="en-US" dirty="0"/>
+              <a:t>Integration and compatibility with Django projects.</a:t>
+            </a:r>
           </a:p>
           <a:p>
             <a:pPr marL="0" indent="0">
@@ -15075,9 +15170,73 @@
             </a:pPr>
             <a:r>
               <a:rPr lang="en-US" dirty="0"/>
-              <a:t> </a:t>
-            </a:r>
-            <a:endParaRPr lang="en-IN" dirty="0"/>
+              <a:t>	</a:t>
+            </a:r>
+          </a:p>
+        </p:txBody>
+      </p:sp>
+      <p:pic>
+        <p:nvPicPr>
+          <p:cNvPr id="5" name="Picture 4">
+            <a:extLst>
+              <a:ext uri="{FF2B5EF4-FFF2-40B4-BE49-F238E27FC236}">
+                <a16:creationId xmlns:a16="http://schemas.microsoft.com/office/drawing/2014/main" id="{A242B9D0-A6EF-6DAF-9D7F-09945FC21EFE}"/>
+              </a:ext>
+            </a:extLst>
+          </p:cNvPr>
+          <p:cNvPicPr>
+            <a:picLocks noChangeAspect="1"/>
+          </p:cNvPicPr>
+          <p:nvPr/>
+        </p:nvPicPr>
+        <p:blipFill>
+          <a:blip r:embed="rId3"/>
+          <a:stretch>
+            <a:fillRect/>
+          </a:stretch>
+        </p:blipFill>
+        <p:spPr>
+          <a:xfrm>
+            <a:off x="1516627" y="3429000"/>
+            <a:ext cx="9447818" cy="2314142"/>
+          </a:xfrm>
+          <a:prstGeom prst="rect">
+            <a:avLst/>
+          </a:prstGeom>
+        </p:spPr>
+      </p:pic>
+      <p:sp>
+        <p:nvSpPr>
+          <p:cNvPr id="6" name="TextBox 5">
+            <a:extLst>
+              <a:ext uri="{FF2B5EF4-FFF2-40B4-BE49-F238E27FC236}">
+                <a16:creationId xmlns:a16="http://schemas.microsoft.com/office/drawing/2014/main" id="{74948E4C-5C0C-0D76-BBC6-C06FBBCF7DB4}"/>
+              </a:ext>
+            </a:extLst>
+          </p:cNvPr>
+          <p:cNvSpPr txBox="1"/>
+          <p:nvPr/>
+        </p:nvSpPr>
+        <p:spPr>
+          <a:xfrm>
+            <a:off x="4169062" y="5733179"/>
+            <a:ext cx="3853876" cy="369332"/>
+          </a:xfrm>
+          <a:prstGeom prst="rect">
+            <a:avLst/>
+          </a:prstGeom>
+          <a:noFill/>
+        </p:spPr>
+        <p:txBody>
+          <a:bodyPr wrap="none" rtlCol="0">
+            <a:spAutoFit/>
+          </a:bodyPr>
+          <a:lstStyle/>
+          <a:p>
+            <a:r>
+              <a:rPr lang="en-IN" dirty="0"/>
+              <a:t>Test for home page loading using pytest</a:t>
+            </a:r>
           </a:p>
         </p:txBody>
       </p:sp>
@@ -15085,6 +15244,107 @@
     <p:extLst>
       <p:ext uri="{BB962C8B-B14F-4D97-AF65-F5344CB8AC3E}">
         <p14:creationId xmlns:p14="http://schemas.microsoft.com/office/powerpoint/2010/main" val="488150600"/>
+      </p:ext>
+    </p:extLst>
+  </p:cSld>
+  <p:clrMapOvr>
+    <a:masterClrMapping/>
+  </p:clrMapOvr>
+</p:sld>
+</file>
+
+<file path=ppt/slides/slide19.xml><?xml version="1.0" encoding="utf-8"?>
+<p:sld xmlns:a="http://schemas.openxmlformats.org/drawingml/2006/main" xmlns:r="http://schemas.openxmlformats.org/officeDocument/2006/relationships" xmlns:p="http://schemas.openxmlformats.org/presentationml/2006/main">
+  <p:cSld>
+    <p:spTree>
+      <p:nvGrpSpPr>
+        <p:cNvPr id="1" name=""/>
+        <p:cNvGrpSpPr/>
+        <p:nvPr/>
+      </p:nvGrpSpPr>
+      <p:grpSpPr>
+        <a:xfrm>
+          <a:off x="0" y="0"/>
+          <a:ext cx="0" cy="0"/>
+          <a:chOff x="0" y="0"/>
+          <a:chExt cx="0" cy="0"/>
+        </a:xfrm>
+      </p:grpSpPr>
+      <p:sp>
+        <p:nvSpPr>
+          <p:cNvPr id="2" name="Title 1">
+            <a:extLst>
+              <a:ext uri="{FF2B5EF4-FFF2-40B4-BE49-F238E27FC236}">
+                <a16:creationId xmlns:a16="http://schemas.microsoft.com/office/drawing/2014/main" id="{EBEB258E-29F4-5A6C-5CA6-7D35B6C8CB9D}"/>
+              </a:ext>
+            </a:extLst>
+          </p:cNvPr>
+          <p:cNvSpPr>
+            <a:spLocks noGrp="1"/>
+          </p:cNvSpPr>
+          <p:nvPr>
+            <p:ph type="title"/>
+          </p:nvPr>
+        </p:nvSpPr>
+        <p:spPr>
+          <a:xfrm>
+            <a:off x="4256215" y="2496479"/>
+            <a:ext cx="3971360" cy="1478570"/>
+          </a:xfrm>
+        </p:spPr>
+        <p:txBody>
+          <a:bodyPr>
+            <a:noAutofit/>
+          </a:bodyPr>
+          <a:lstStyle/>
+          <a:p>
+            <a:r>
+              <a:rPr lang="en-IN" sz="5400" dirty="0"/>
+              <a:t>Thankyou</a:t>
+            </a:r>
+          </a:p>
+        </p:txBody>
+      </p:sp>
+      <p:sp>
+        <p:nvSpPr>
+          <p:cNvPr id="3" name="Content Placeholder 2">
+            <a:extLst>
+              <a:ext uri="{FF2B5EF4-FFF2-40B4-BE49-F238E27FC236}">
+                <a16:creationId xmlns:a16="http://schemas.microsoft.com/office/drawing/2014/main" id="{8E0B094B-E2BC-A573-6F06-2DFBDAEF72F1}"/>
+              </a:ext>
+            </a:extLst>
+          </p:cNvPr>
+          <p:cNvSpPr>
+            <a:spLocks noGrp="1"/>
+          </p:cNvSpPr>
+          <p:nvPr>
+            <p:ph idx="1"/>
+          </p:nvPr>
+        </p:nvSpPr>
+        <p:spPr>
+          <a:xfrm>
+            <a:off x="1288896" y="2092171"/>
+            <a:ext cx="9905999" cy="3541714"/>
+          </a:xfrm>
+        </p:spPr>
+        <p:txBody>
+          <a:bodyPr/>
+          <a:lstStyle/>
+          <a:p>
+            <a:pPr marL="0" indent="0">
+              <a:buNone/>
+            </a:pPr>
+            <a:r>
+              <a:rPr lang="en-IN" dirty="0"/>
+              <a:t> </a:t>
+            </a:r>
+          </a:p>
+        </p:txBody>
+      </p:sp>
+    </p:spTree>
+    <p:extLst>
+      <p:ext uri="{BB962C8B-B14F-4D97-AF65-F5344CB8AC3E}">
+        <p14:creationId xmlns:p14="http://schemas.microsoft.com/office/powerpoint/2010/main" val="3363772517"/>
       </p:ext>
     </p:extLst>
   </p:cSld>
